--- a/2019_riffa_tutorial.pptx
+++ b/2019_riffa_tutorial.pptx
@@ -35,11 +35,11 @@
     <p:sldId id="309" r:id="rId26"/>
     <p:sldId id="310" r:id="rId27"/>
     <p:sldId id="315" r:id="rId28"/>
-    <p:sldId id="316" r:id="rId29"/>
-    <p:sldId id="317" r:id="rId30"/>
-    <p:sldId id="313" r:id="rId31"/>
-    <p:sldId id="318" r:id="rId32"/>
-    <p:sldId id="314" r:id="rId33"/>
+    <p:sldId id="319" r:id="rId29"/>
+    <p:sldId id="316" r:id="rId30"/>
+    <p:sldId id="317" r:id="rId31"/>
+    <p:sldId id="313" r:id="rId32"/>
+    <p:sldId id="318" r:id="rId33"/>
   </p:sldIdLst>
   <p:sldSz cx="9144000" cy="6858000" type="screen4x3"/>
   <p:notesSz cx="6858000" cy="9144000"/>
@@ -11831,9 +11831,45 @@
           </a:p>
         </p:txBody>
       </p:sp>
+      <p:sp>
+        <p:nvSpPr>
+          <p:cNvPr id="6" name="文字方塊 5"/>
+          <p:cNvSpPr txBox="1"/>
+          <p:nvPr/>
+        </p:nvSpPr>
+        <p:spPr>
+          <a:xfrm>
+            <a:off x="4640016" y="5274129"/>
+            <a:ext cx="3558859" cy="338554"/>
+          </a:xfrm>
+          <a:prstGeom prst="rect">
+            <a:avLst/>
+          </a:prstGeom>
+          <a:noFill/>
+        </p:spPr>
+        <p:txBody>
+          <a:bodyPr wrap="none" rtlCol="0">
+            <a:spAutoFit/>
+          </a:bodyPr>
+          <a:lstStyle/>
+          <a:p>
+            <a:r>
+              <a:rPr lang="en-US" altLang="zh-TW" sz="1600" dirty="0" smtClean="0">
+                <a:latin typeface="Times New Roman" panose="02020603050405020304" pitchFamily="18" charset="0"/>
+                <a:cs typeface="Times New Roman" panose="02020603050405020304" pitchFamily="18" charset="0"/>
+              </a:rPr>
+              <a:t>If you see this, you passed the FPGA test</a:t>
+            </a:r>
+            <a:endParaRPr lang="zh-TW" altLang="en-US" sz="1600" dirty="0">
+              <a:latin typeface="Times New Roman" panose="02020603050405020304" pitchFamily="18" charset="0"/>
+              <a:cs typeface="Times New Roman" panose="02020603050405020304" pitchFamily="18" charset="0"/>
+            </a:endParaRPr>
+          </a:p>
+        </p:txBody>
+      </p:sp>
       <p:pic>
         <p:nvPicPr>
-          <p:cNvPr id="5" name="圖片 4"/>
+          <p:cNvPr id="10" name="圖片 9"/>
           <p:cNvPicPr>
             <a:picLocks noChangeAspect="1"/>
           </p:cNvPicPr>
@@ -11847,8 +11883,8 @@
         </p:blipFill>
         <p:spPr>
           <a:xfrm>
-            <a:off x="808945" y="2391101"/>
-            <a:ext cx="3763056" cy="4051192"/>
+            <a:off x="772166" y="2462811"/>
+            <a:ext cx="3753740" cy="3975168"/>
           </a:xfrm>
           <a:prstGeom prst="rect">
             <a:avLst/>
@@ -11857,14 +11893,14 @@
       </p:pic>
       <p:sp>
         <p:nvSpPr>
-          <p:cNvPr id="6" name="文字方塊 5"/>
+          <p:cNvPr id="9" name="文字方塊 8"/>
           <p:cNvSpPr txBox="1"/>
           <p:nvPr/>
         </p:nvSpPr>
         <p:spPr>
           <a:xfrm>
-            <a:off x="4640016" y="5274129"/>
-            <a:ext cx="3558859" cy="338554"/>
+            <a:off x="6419445" y="6067595"/>
+            <a:ext cx="2079415" cy="461665"/>
           </a:xfrm>
           <a:prstGeom prst="rect">
             <a:avLst/>
@@ -11878,13 +11914,13 @@
           <a:lstStyle/>
           <a:p>
             <a:r>
-              <a:rPr lang="en-US" altLang="zh-TW" sz="1600" dirty="0" smtClean="0">
-                <a:latin typeface="Times New Roman" panose="02020603050405020304" pitchFamily="18" charset="0"/>
-                <a:cs typeface="Times New Roman" panose="02020603050405020304" pitchFamily="18" charset="0"/>
-              </a:rPr>
-              <a:t>If you see this, you passed the FPGA test</a:t>
-            </a:r>
-            <a:endParaRPr lang="zh-TW" altLang="en-US" sz="1600" dirty="0">
+              <a:rPr lang="en-US" altLang="zh-TW" sz="2400" dirty="0" smtClean="0">
+                <a:latin typeface="Times New Roman" panose="02020603050405020304" pitchFamily="18" charset="0"/>
+                <a:cs typeface="Times New Roman" panose="02020603050405020304" pitchFamily="18" charset="0"/>
+              </a:rPr>
+              <a:t>End of tutorial!</a:t>
+            </a:r>
+            <a:endParaRPr lang="zh-TW" altLang="en-US" sz="2400" dirty="0">
               <a:latin typeface="Times New Roman" panose="02020603050405020304" pitchFamily="18" charset="0"/>
               <a:cs typeface="Times New Roman" panose="02020603050405020304" pitchFamily="18" charset="0"/>
             </a:endParaRPr>
@@ -11937,42 +11973,6 @@
           <a:p>
             <a:pPr algn="ctr"/>
             <a:endParaRPr lang="zh-TW" altLang="en-US"/>
-          </a:p>
-        </p:txBody>
-      </p:sp>
-      <p:sp>
-        <p:nvSpPr>
-          <p:cNvPr id="9" name="文字方塊 8"/>
-          <p:cNvSpPr txBox="1"/>
-          <p:nvPr/>
-        </p:nvSpPr>
-        <p:spPr>
-          <a:xfrm>
-            <a:off x="6419445" y="6067595"/>
-            <a:ext cx="2079415" cy="461665"/>
-          </a:xfrm>
-          <a:prstGeom prst="rect">
-            <a:avLst/>
-          </a:prstGeom>
-          <a:noFill/>
-        </p:spPr>
-        <p:txBody>
-          <a:bodyPr wrap="none" rtlCol="0">
-            <a:spAutoFit/>
-          </a:bodyPr>
-          <a:lstStyle/>
-          <a:p>
-            <a:r>
-              <a:rPr lang="en-US" altLang="zh-TW" sz="2400" dirty="0" smtClean="0">
-                <a:latin typeface="Times New Roman" panose="02020603050405020304" pitchFamily="18" charset="0"/>
-                <a:cs typeface="Times New Roman" panose="02020603050405020304" pitchFamily="18" charset="0"/>
-              </a:rPr>
-              <a:t>End of tutorial!</a:t>
-            </a:r>
-            <a:endParaRPr lang="zh-TW" altLang="en-US" sz="2400" dirty="0">
-              <a:latin typeface="Times New Roman" panose="02020603050405020304" pitchFamily="18" charset="0"/>
-              <a:cs typeface="Times New Roman" panose="02020603050405020304" pitchFamily="18" charset="0"/>
-            </a:endParaRPr>
           </a:p>
         </p:txBody>
       </p:sp>
@@ -12140,32 +12140,11 @@
           <a:lstStyle/>
           <a:p>
             <a:r>
-              <a:rPr lang="en-US" altLang="zh-TW" dirty="0">
-                <a:latin typeface="Times New Roman" panose="02020603050405020304" pitchFamily="18" charset="0"/>
-                <a:cs typeface="Times New Roman" panose="02020603050405020304" pitchFamily="18" charset="0"/>
-              </a:rPr>
-              <a:t>Modifying the </a:t>
-            </a:r>
-            <a:r>
-              <a:rPr lang="en-US" altLang="zh-TW" dirty="0" err="1">
-                <a:latin typeface="Times New Roman" panose="02020603050405020304" pitchFamily="18" charset="0"/>
-                <a:cs typeface="Times New Roman" panose="02020603050405020304" pitchFamily="18" charset="0"/>
-              </a:rPr>
-              <a:t>PCIe</a:t>
-            </a:r>
-            <a:r>
-              <a:rPr lang="en-US" altLang="zh-TW" dirty="0">
-                <a:latin typeface="Times New Roman" panose="02020603050405020304" pitchFamily="18" charset="0"/>
-                <a:cs typeface="Times New Roman" panose="02020603050405020304" pitchFamily="18" charset="0"/>
-              </a:rPr>
-              <a:t> on the </a:t>
-            </a:r>
-            <a:r>
-              <a:rPr lang="en-US" altLang="zh-TW" dirty="0" err="1">
-                <a:latin typeface="Times New Roman" panose="02020603050405020304" pitchFamily="18" charset="0"/>
-                <a:cs typeface="Times New Roman" panose="02020603050405020304" pitchFamily="18" charset="0"/>
-              </a:rPr>
-              <a:t>Qsys</a:t>
+              <a:rPr lang="en-US" altLang="zh-TW" dirty="0" smtClean="0">
+                <a:latin typeface="Times New Roman" panose="02020603050405020304" pitchFamily="18" charset="0"/>
+                <a:cs typeface="Times New Roman" panose="02020603050405020304" pitchFamily="18" charset="0"/>
+              </a:rPr>
+              <a:t>Modifying the PCIE</a:t>
             </a:r>
             <a:endParaRPr lang="zh-TW" altLang="en-US" dirty="0">
               <a:latin typeface="Times New Roman" panose="02020603050405020304" pitchFamily="18" charset="0"/>
@@ -12184,12 +12163,7 @@
             <p:ph idx="1"/>
           </p:nvPr>
         </p:nvSpPr>
-        <p:spPr>
-          <a:xfrm>
-            <a:off x="477796" y="1252152"/>
-            <a:ext cx="8184512" cy="5094546"/>
-          </a:xfrm>
-        </p:spPr>
+        <p:spPr/>
         <p:txBody>
           <a:bodyPr>
             <a:normAutofit/>
@@ -12197,239 +12171,166 @@
           <a:lstStyle/>
           <a:p>
             <a:r>
-              <a:rPr lang="en-US" altLang="zh-TW" sz="1600" dirty="0">
-                <a:latin typeface="Times New Roman" panose="02020603050405020304" pitchFamily="18" charset="0"/>
-                <a:cs typeface="Times New Roman" panose="02020603050405020304" pitchFamily="18" charset="0"/>
-              </a:rPr>
-              <a:t>Double click </a:t>
-            </a:r>
-            <a:r>
-              <a:rPr lang="en-US" altLang="zh-TW" sz="1600" dirty="0" smtClean="0">
-                <a:latin typeface="Times New Roman" panose="02020603050405020304" pitchFamily="18" charset="0"/>
-                <a:cs typeface="Times New Roman" panose="02020603050405020304" pitchFamily="18" charset="0"/>
-              </a:rPr>
-              <a:t>on</a:t>
-            </a:r>
-            <a:endParaRPr lang="en-US" altLang="zh-TW" sz="1600" dirty="0">
+              <a:rPr lang="en-US" altLang="zh-TW" dirty="0" smtClean="0">
+                <a:latin typeface="Times New Roman" panose="02020603050405020304" pitchFamily="18" charset="0"/>
+                <a:cs typeface="Times New Roman" panose="02020603050405020304" pitchFamily="18" charset="0"/>
+              </a:rPr>
+              <a:t>GEN</a:t>
+            </a:r>
+          </a:p>
+          <a:p>
+            <a:pPr lvl="1"/>
+            <a:r>
+              <a:rPr lang="en-US" altLang="zh-TW" dirty="0">
+                <a:latin typeface="Times New Roman" panose="02020603050405020304" pitchFamily="18" charset="0"/>
+                <a:cs typeface="Times New Roman" panose="02020603050405020304" pitchFamily="18" charset="0"/>
+              </a:rPr>
+              <a:t>1</a:t>
+            </a:r>
+            <a:r>
+              <a:rPr lang="en-US" altLang="zh-TW" dirty="0" smtClean="0">
+                <a:latin typeface="Times New Roman" panose="02020603050405020304" pitchFamily="18" charset="0"/>
+                <a:cs typeface="Times New Roman" panose="02020603050405020304" pitchFamily="18" charset="0"/>
+              </a:rPr>
+              <a:t>/2/3</a:t>
+            </a:r>
+          </a:p>
+          <a:p>
+            <a:r>
+              <a:rPr lang="en-US" altLang="zh-TW" dirty="0" smtClean="0">
+                <a:latin typeface="Times New Roman" panose="02020603050405020304" pitchFamily="18" charset="0"/>
+                <a:cs typeface="Times New Roman" panose="02020603050405020304" pitchFamily="18" charset="0"/>
+              </a:rPr>
+              <a:t>LANE</a:t>
+            </a:r>
+          </a:p>
+          <a:p>
+            <a:pPr lvl="1"/>
+            <a:r>
+              <a:rPr lang="en-US" altLang="zh-TW" dirty="0" smtClean="0">
+                <a:latin typeface="Times New Roman" panose="02020603050405020304" pitchFamily="18" charset="0"/>
+                <a:cs typeface="Times New Roman" panose="02020603050405020304" pitchFamily="18" charset="0"/>
+              </a:rPr>
+              <a:t>x1/x2/x4/x8/x16</a:t>
+            </a:r>
+          </a:p>
+          <a:p>
+            <a:endParaRPr lang="en-US" altLang="zh-TW" dirty="0" smtClean="0">
               <a:latin typeface="Times New Roman" panose="02020603050405020304" pitchFamily="18" charset="0"/>
               <a:cs typeface="Times New Roman" panose="02020603050405020304" pitchFamily="18" charset="0"/>
             </a:endParaRPr>
           </a:p>
           <a:p>
+            <a:r>
+              <a:rPr lang="en-US" altLang="zh-TW" dirty="0" smtClean="0">
+                <a:latin typeface="Times New Roman" panose="02020603050405020304" pitchFamily="18" charset="0"/>
+                <a:cs typeface="Times New Roman" panose="02020603050405020304" pitchFamily="18" charset="0"/>
+              </a:rPr>
+              <a:t>62.5 MHz:</a:t>
+            </a:r>
+          </a:p>
+          <a:p>
             <a:pPr lvl="1"/>
             <a:r>
-              <a:rPr lang="en-US" altLang="zh-TW" sz="1400" dirty="0" err="1">
-                <a:latin typeface="Times New Roman" panose="02020603050405020304" pitchFamily="18" charset="0"/>
-                <a:cs typeface="Times New Roman" panose="02020603050405020304" pitchFamily="18" charset="0"/>
-              </a:rPr>
-              <a:t>QSysDE#Gen#x#lf</a:t>
-            </a:r>
-            <a:r>
-              <a:rPr lang="en-US" altLang="zh-TW" sz="1400" dirty="0">
-                <a:latin typeface="Times New Roman" panose="02020603050405020304" pitchFamily="18" charset="0"/>
-                <a:cs typeface="Times New Roman" panose="02020603050405020304" pitchFamily="18" charset="0"/>
-              </a:rPr>
-              <a:t>###:</a:t>
-            </a:r>
-            <a:r>
-              <a:rPr lang="en-US" altLang="zh-TW" sz="1400" dirty="0" err="1">
-                <a:latin typeface="Times New Roman" panose="02020603050405020304" pitchFamily="18" charset="0"/>
-                <a:cs typeface="Times New Roman" panose="02020603050405020304" pitchFamily="18" charset="0"/>
-              </a:rPr>
-              <a:t>pcie_system_inst</a:t>
-            </a:r>
-            <a:endParaRPr lang="en-US" altLang="zh-TW" sz="1400" dirty="0">
+              <a:rPr lang="en-US" altLang="zh-TW" dirty="0" smtClean="0">
+                <a:latin typeface="Times New Roman" panose="02020603050405020304" pitchFamily="18" charset="0"/>
+                <a:cs typeface="Times New Roman" panose="02020603050405020304" pitchFamily="18" charset="0"/>
+              </a:rPr>
+              <a:t>Gen1x1</a:t>
+            </a:r>
+          </a:p>
+          <a:p>
+            <a:r>
+              <a:rPr lang="en-US" altLang="zh-TW" dirty="0" smtClean="0">
+                <a:latin typeface="Times New Roman" panose="02020603050405020304" pitchFamily="18" charset="0"/>
+                <a:cs typeface="Times New Roman" panose="02020603050405020304" pitchFamily="18" charset="0"/>
+              </a:rPr>
+              <a:t>125 MHz:</a:t>
+            </a:r>
+          </a:p>
+          <a:p>
+            <a:pPr lvl="1"/>
+            <a:r>
+              <a:rPr lang="en-US" altLang="zh-TW" dirty="0" smtClean="0">
+                <a:latin typeface="Times New Roman" panose="02020603050405020304" pitchFamily="18" charset="0"/>
+                <a:cs typeface="Times New Roman" panose="02020603050405020304" pitchFamily="18" charset="0"/>
+              </a:rPr>
+              <a:t>Gen1x2, Gen1x4 </a:t>
+            </a:r>
+          </a:p>
+          <a:p>
+            <a:pPr lvl="1"/>
+            <a:r>
+              <a:rPr lang="en-US" altLang="zh-TW" dirty="0" smtClean="0">
+                <a:latin typeface="Times New Roman" panose="02020603050405020304" pitchFamily="18" charset="0"/>
+                <a:cs typeface="Times New Roman" panose="02020603050405020304" pitchFamily="18" charset="0"/>
+              </a:rPr>
+              <a:t>Gen2x1, Gen2x2, Gen2x4, Gen2x8</a:t>
+            </a:r>
+          </a:p>
+          <a:p>
+            <a:pPr lvl="1"/>
+            <a:r>
+              <a:rPr lang="en-US" altLang="zh-TW" dirty="0" smtClean="0">
+                <a:latin typeface="Times New Roman" panose="02020603050405020304" pitchFamily="18" charset="0"/>
+                <a:cs typeface="Times New Roman" panose="02020603050405020304" pitchFamily="18" charset="0"/>
+              </a:rPr>
+              <a:t>Gen3x1, Gen3x2</a:t>
+            </a:r>
+          </a:p>
+          <a:p>
+            <a:r>
+              <a:rPr lang="en-US" altLang="zh-TW" dirty="0" smtClean="0">
+                <a:latin typeface="Times New Roman" panose="02020603050405020304" pitchFamily="18" charset="0"/>
+                <a:cs typeface="Times New Roman" panose="02020603050405020304" pitchFamily="18" charset="0"/>
+              </a:rPr>
+              <a:t>250 </a:t>
+            </a:r>
+            <a:r>
+              <a:rPr lang="en-US" altLang="zh-TW" dirty="0" smtClean="0">
+                <a:latin typeface="Times New Roman" panose="02020603050405020304" pitchFamily="18" charset="0"/>
+                <a:cs typeface="Times New Roman" panose="02020603050405020304" pitchFamily="18" charset="0"/>
+              </a:rPr>
+              <a:t>MHz:</a:t>
+            </a:r>
+          </a:p>
+          <a:p>
+            <a:pPr lvl="1"/>
+            <a:r>
+              <a:rPr lang="en-US" altLang="zh-TW" dirty="0">
+                <a:latin typeface="Times New Roman" panose="02020603050405020304" pitchFamily="18" charset="0"/>
+                <a:cs typeface="Times New Roman" panose="02020603050405020304" pitchFamily="18" charset="0"/>
+              </a:rPr>
+              <a:t>Gen2x8</a:t>
+            </a:r>
+          </a:p>
+          <a:p>
+            <a:pPr lvl="1"/>
+            <a:r>
+              <a:rPr lang="en-US" altLang="zh-TW" dirty="0" smtClean="0">
+                <a:latin typeface="Times New Roman" panose="02020603050405020304" pitchFamily="18" charset="0"/>
+                <a:cs typeface="Times New Roman" panose="02020603050405020304" pitchFamily="18" charset="0"/>
+              </a:rPr>
+              <a:t>Gen3x4</a:t>
+            </a:r>
+            <a:r>
+              <a:rPr lang="en-US" altLang="zh-TW" dirty="0" smtClean="0">
+                <a:latin typeface="Times New Roman" panose="02020603050405020304" pitchFamily="18" charset="0"/>
+                <a:cs typeface="Times New Roman" panose="02020603050405020304" pitchFamily="18" charset="0"/>
+              </a:rPr>
+              <a:t>, Gen 3x8</a:t>
+            </a:r>
+            <a:endParaRPr lang="zh-TW" altLang="en-US" dirty="0">
               <a:latin typeface="Times New Roman" panose="02020603050405020304" pitchFamily="18" charset="0"/>
               <a:cs typeface="Times New Roman" panose="02020603050405020304" pitchFamily="18" charset="0"/>
             </a:endParaRPr>
           </a:p>
-          <a:p>
-            <a:r>
-              <a:rPr lang="en-US" altLang="zh-TW" sz="1600" dirty="0">
-                <a:latin typeface="Times New Roman" panose="02020603050405020304" pitchFamily="18" charset="0"/>
-                <a:cs typeface="Times New Roman" panose="02020603050405020304" pitchFamily="18" charset="0"/>
-              </a:rPr>
-              <a:t>Areas to be edited are highlighted</a:t>
-            </a:r>
-          </a:p>
-          <a:p>
-            <a:r>
-              <a:rPr lang="en-US" altLang="zh-TW" sz="1600" dirty="0">
-                <a:latin typeface="Times New Roman" panose="02020603050405020304" pitchFamily="18" charset="0"/>
-                <a:cs typeface="Times New Roman" panose="02020603050405020304" pitchFamily="18" charset="0"/>
-              </a:rPr>
-              <a:t>Edit settings in </a:t>
-            </a:r>
-            <a:r>
-              <a:rPr lang="en-US" altLang="zh-TW" sz="1600" dirty="0" err="1">
-                <a:latin typeface="Times New Roman" panose="02020603050405020304" pitchFamily="18" charset="0"/>
-                <a:cs typeface="Times New Roman" panose="02020603050405020304" pitchFamily="18" charset="0"/>
-              </a:rPr>
-              <a:t>PCIeDE#Gen#x#lf</a:t>
-            </a:r>
-            <a:r>
-              <a:rPr lang="en-US" altLang="zh-TW" sz="1600" dirty="0">
-                <a:latin typeface="Times New Roman" panose="02020603050405020304" pitchFamily="18" charset="0"/>
-                <a:cs typeface="Times New Roman" panose="02020603050405020304" pitchFamily="18" charset="0"/>
-              </a:rPr>
-              <a:t>### first</a:t>
-            </a:r>
-          </a:p>
-          <a:p>
-            <a:r>
-              <a:rPr lang="en-US" altLang="zh-TW" sz="1600" dirty="0">
-                <a:latin typeface="Times New Roman" panose="02020603050405020304" pitchFamily="18" charset="0"/>
-                <a:cs typeface="Times New Roman" panose="02020603050405020304" pitchFamily="18" charset="0"/>
-              </a:rPr>
-              <a:t>Then for </a:t>
-            </a:r>
-            <a:r>
-              <a:rPr lang="en-US" altLang="zh-TW" sz="1600" dirty="0" err="1">
-                <a:latin typeface="Times New Roman" panose="02020603050405020304" pitchFamily="18" charset="0"/>
-                <a:cs typeface="Times New Roman" panose="02020603050405020304" pitchFamily="18" charset="0"/>
-              </a:rPr>
-              <a:t>XCVRCtrlGen#x</a:t>
-            </a:r>
-            <a:r>
-              <a:rPr lang="en-US" altLang="zh-TW" sz="1600" dirty="0">
-                <a:latin typeface="Times New Roman" panose="02020603050405020304" pitchFamily="18" charset="0"/>
-                <a:cs typeface="Times New Roman" panose="02020603050405020304" pitchFamily="18" charset="0"/>
-              </a:rPr>
-              <a:t>#, and </a:t>
-            </a:r>
-            <a:r>
-              <a:rPr lang="en-US" altLang="zh-TW" sz="1600" dirty="0" err="1">
-                <a:latin typeface="Times New Roman" panose="02020603050405020304" pitchFamily="18" charset="0"/>
-                <a:cs typeface="Times New Roman" panose="02020603050405020304" pitchFamily="18" charset="0"/>
-              </a:rPr>
-              <a:t>XDRVCtrlGen#x</a:t>
-            </a:r>
-            <a:r>
-              <a:rPr lang="en-US" altLang="zh-TW" sz="1600" dirty="0">
-                <a:latin typeface="Times New Roman" panose="02020603050405020304" pitchFamily="18" charset="0"/>
-                <a:cs typeface="Times New Roman" panose="02020603050405020304" pitchFamily="18" charset="0"/>
-              </a:rPr>
-              <a:t>#</a:t>
-            </a:r>
-          </a:p>
-          <a:p>
-            <a:pPr lvl="1"/>
-            <a:r>
-              <a:rPr lang="en-US" altLang="zh-TW" sz="1400" dirty="0">
-                <a:latin typeface="Times New Roman" panose="02020603050405020304" pitchFamily="18" charset="0"/>
-                <a:cs typeface="Times New Roman" panose="02020603050405020304" pitchFamily="18" charset="0"/>
-              </a:rPr>
-              <a:t>Edit </a:t>
-            </a:r>
-            <a:r>
-              <a:rPr lang="en-US" altLang="zh-TW" sz="1400" i="1" dirty="0">
-                <a:latin typeface="Times New Roman" panose="02020603050405020304" pitchFamily="18" charset="0"/>
-                <a:cs typeface="Times New Roman" panose="02020603050405020304" pitchFamily="18" charset="0"/>
-              </a:rPr>
-              <a:t>Number of reconfiguration </a:t>
-            </a:r>
-            <a:r>
-              <a:rPr lang="en-US" altLang="zh-TW" sz="1400" i="1" dirty="0" smtClean="0">
-                <a:latin typeface="Times New Roman" panose="02020603050405020304" pitchFamily="18" charset="0"/>
-                <a:cs typeface="Times New Roman" panose="02020603050405020304" pitchFamily="18" charset="0"/>
-              </a:rPr>
-              <a:t>interfaces</a:t>
-            </a:r>
-            <a:r>
-              <a:rPr lang="en-US" altLang="zh-TW" sz="1400" dirty="0" smtClean="0">
-                <a:latin typeface="Times New Roman" panose="02020603050405020304" pitchFamily="18" charset="0"/>
-                <a:cs typeface="Times New Roman" panose="02020603050405020304" pitchFamily="18" charset="0"/>
-              </a:rPr>
-              <a:t> </a:t>
-            </a:r>
-            <a:r>
-              <a:rPr lang="en-US" altLang="zh-TW" sz="1400" dirty="0">
-                <a:latin typeface="Times New Roman" panose="02020603050405020304" pitchFamily="18" charset="0"/>
-                <a:cs typeface="Times New Roman" panose="02020603050405020304" pitchFamily="18" charset="0"/>
-              </a:rPr>
-              <a:t>accordingly</a:t>
-            </a:r>
-            <a:endParaRPr lang="en-US" altLang="zh-TW" sz="1400" dirty="0">
-              <a:latin typeface="Times New Roman" panose="02020603050405020304" pitchFamily="18" charset="0"/>
-              <a:cs typeface="Times New Roman" panose="02020603050405020304" pitchFamily="18" charset="0"/>
-            </a:endParaRPr>
-          </a:p>
-        </p:txBody>
-      </p:sp>
-      <p:sp>
-        <p:nvSpPr>
-          <p:cNvPr id="4" name="投影片編號版面配置區 3"/>
-          <p:cNvSpPr>
-            <a:spLocks noGrp="1"/>
-          </p:cNvSpPr>
-          <p:nvPr>
-            <p:ph type="sldNum" sz="quarter" idx="12"/>
-          </p:nvPr>
-        </p:nvSpPr>
-        <p:spPr/>
-        <p:txBody>
-          <a:bodyPr/>
-          <a:lstStyle/>
-          <a:p>
-            <a:fld id="{D4E83C2F-CC96-46F6-9B3C-3132E4070188}" type="slidenum">
-              <a:rPr lang="zh-TW" altLang="en-US" smtClean="0"/>
-              <a:t>28</a:t>
-            </a:fld>
-            <a:endParaRPr lang="zh-TW" altLang="en-US"/>
-          </a:p>
-        </p:txBody>
-      </p:sp>
-      <p:pic>
-        <p:nvPicPr>
-          <p:cNvPr id="10" name="圖片 9"/>
-          <p:cNvPicPr>
-            <a:picLocks noChangeAspect="1"/>
-          </p:cNvPicPr>
-          <p:nvPr/>
-        </p:nvPicPr>
-        <p:blipFill rotWithShape="1">
-          <a:blip r:embed="rId2"/>
-          <a:srcRect t="29204" b="15941"/>
-          <a:stretch/>
-        </p:blipFill>
-        <p:spPr>
-          <a:xfrm>
-            <a:off x="6317539" y="1252152"/>
-            <a:ext cx="2777158" cy="1500730"/>
-          </a:xfrm>
-          <a:prstGeom prst="rect">
-            <a:avLst/>
-          </a:prstGeom>
-        </p:spPr>
-      </p:pic>
-      <p:pic>
-        <p:nvPicPr>
-          <p:cNvPr id="11" name="圖片 10"/>
-          <p:cNvPicPr>
-            <a:picLocks noChangeAspect="1"/>
-          </p:cNvPicPr>
-          <p:nvPr/>
-        </p:nvPicPr>
-        <p:blipFill>
-          <a:blip r:embed="rId3"/>
-          <a:stretch>
-            <a:fillRect/>
-          </a:stretch>
-        </p:blipFill>
-        <p:spPr>
-          <a:xfrm>
-            <a:off x="3491078" y="3181021"/>
-            <a:ext cx="5386737" cy="3530802"/>
-          </a:xfrm>
-          <a:prstGeom prst="rect">
-            <a:avLst/>
-          </a:prstGeom>
-        </p:spPr>
-      </p:pic>
+        </p:txBody>
+      </p:sp>
     </p:spTree>
     <p:extLst>
       <p:ext uri="{BB962C8B-B14F-4D97-AF65-F5344CB8AC3E}">
-        <p14:creationId xmlns:p14="http://schemas.microsoft.com/office/powerpoint/2010/main" val="4006218224"/>
+        <p14:creationId xmlns:p14="http://schemas.microsoft.com/office/powerpoint/2010/main" val="128407691"/>
       </p:ext>
     </p:extLst>
   </p:cSld>
@@ -12483,13 +12384,10 @@
                 <a:latin typeface="Times New Roman" panose="02020603050405020304" pitchFamily="18" charset="0"/>
                 <a:cs typeface="Times New Roman" panose="02020603050405020304" pitchFamily="18" charset="0"/>
               </a:rPr>
-              <a:t>Changing </a:t>
+              <a:t>Modifying the </a:t>
             </a:r>
             <a:r>
               <a:rPr lang="en-US" altLang="zh-TW" dirty="0" err="1">
-                <a:solidFill>
-                  <a:srgbClr val="FF0000"/>
-                </a:solidFill>
                 <a:latin typeface="Times New Roman" panose="02020603050405020304" pitchFamily="18" charset="0"/>
                 <a:cs typeface="Times New Roman" panose="02020603050405020304" pitchFamily="18" charset="0"/>
               </a:rPr>
@@ -12497,13 +12395,17 @@
             </a:r>
             <a:r>
               <a:rPr lang="en-US" altLang="zh-TW" dirty="0">
-                <a:solidFill>
-                  <a:srgbClr val="FF0000"/>
-                </a:solidFill>
-                <a:latin typeface="Times New Roman" panose="02020603050405020304" pitchFamily="18" charset="0"/>
-                <a:cs typeface="Times New Roman" panose="02020603050405020304" pitchFamily="18" charset="0"/>
-              </a:rPr>
-              <a:t> generation</a:t>
+                <a:latin typeface="Times New Roman" panose="02020603050405020304" pitchFamily="18" charset="0"/>
+                <a:cs typeface="Times New Roman" panose="02020603050405020304" pitchFamily="18" charset="0"/>
+              </a:rPr>
+              <a:t> on the </a:t>
+            </a:r>
+            <a:r>
+              <a:rPr lang="en-US" altLang="zh-TW" dirty="0" err="1">
+                <a:latin typeface="Times New Roman" panose="02020603050405020304" pitchFamily="18" charset="0"/>
+                <a:cs typeface="Times New Roman" panose="02020603050405020304" pitchFamily="18" charset="0"/>
+              </a:rPr>
+              <a:t>Qsys</a:t>
             </a:r>
             <a:endParaRPr lang="zh-TW" altLang="en-US" dirty="0">
               <a:latin typeface="Times New Roman" panose="02020603050405020304" pitchFamily="18" charset="0"/>
@@ -12535,52 +12437,159 @@
           <a:lstStyle/>
           <a:p>
             <a:r>
-              <a:rPr lang="en-US" altLang="zh-TW" sz="1800" dirty="0">
-                <a:latin typeface="Times New Roman" panose="02020603050405020304" pitchFamily="18" charset="0"/>
-                <a:cs typeface="Times New Roman" panose="02020603050405020304" pitchFamily="18" charset="0"/>
-              </a:rPr>
-              <a:t>Go to assignment editor</a:t>
-            </a:r>
-          </a:p>
-          <a:p>
-            <a:r>
-              <a:rPr lang="en-US" altLang="zh-TW" sz="1800" dirty="0">
-                <a:latin typeface="Times New Roman" panose="02020603050405020304" pitchFamily="18" charset="0"/>
-                <a:cs typeface="Times New Roman" panose="02020603050405020304" pitchFamily="18" charset="0"/>
-              </a:rPr>
-              <a:t>Change Values accordingly</a:t>
-            </a:r>
+              <a:rPr lang="en-US" altLang="zh-TW" sz="1600" dirty="0">
+                <a:latin typeface="Times New Roman" panose="02020603050405020304" pitchFamily="18" charset="0"/>
+                <a:cs typeface="Times New Roman" panose="02020603050405020304" pitchFamily="18" charset="0"/>
+              </a:rPr>
+              <a:t>Double click </a:t>
+            </a:r>
+            <a:r>
+              <a:rPr lang="en-US" altLang="zh-TW" sz="1600" dirty="0" smtClean="0">
+                <a:latin typeface="Times New Roman" panose="02020603050405020304" pitchFamily="18" charset="0"/>
+                <a:cs typeface="Times New Roman" panose="02020603050405020304" pitchFamily="18" charset="0"/>
+              </a:rPr>
+              <a:t>on</a:t>
+            </a:r>
+            <a:endParaRPr lang="en-US" altLang="zh-TW" sz="1600" dirty="0">
+              <a:latin typeface="Times New Roman" panose="02020603050405020304" pitchFamily="18" charset="0"/>
+              <a:cs typeface="Times New Roman" panose="02020603050405020304" pitchFamily="18" charset="0"/>
+            </a:endParaRPr>
           </a:p>
           <a:p>
             <a:pPr lvl="1"/>
             <a:r>
+              <a:rPr lang="en-US" altLang="zh-TW" sz="1400" dirty="0" err="1">
+                <a:latin typeface="Times New Roman" panose="02020603050405020304" pitchFamily="18" charset="0"/>
+                <a:cs typeface="Times New Roman" panose="02020603050405020304" pitchFamily="18" charset="0"/>
+              </a:rPr>
+              <a:t>QSysDE#Gen#x#lf</a:t>
+            </a:r>
+            <a:r>
+              <a:rPr lang="en-US" altLang="zh-TW" sz="1400" dirty="0">
+                <a:latin typeface="Times New Roman" panose="02020603050405020304" pitchFamily="18" charset="0"/>
+                <a:cs typeface="Times New Roman" panose="02020603050405020304" pitchFamily="18" charset="0"/>
+              </a:rPr>
+              <a:t>###:</a:t>
+            </a:r>
+            <a:r>
+              <a:rPr lang="en-US" altLang="zh-TW" sz="1400" dirty="0" err="1">
+                <a:latin typeface="Times New Roman" panose="02020603050405020304" pitchFamily="18" charset="0"/>
+                <a:cs typeface="Times New Roman" panose="02020603050405020304" pitchFamily="18" charset="0"/>
+              </a:rPr>
+              <a:t>pcie_system_inst</a:t>
+            </a:r>
+            <a:endParaRPr lang="en-US" altLang="zh-TW" sz="1400" dirty="0">
+              <a:latin typeface="Times New Roman" panose="02020603050405020304" pitchFamily="18" charset="0"/>
+              <a:cs typeface="Times New Roman" panose="02020603050405020304" pitchFamily="18" charset="0"/>
+            </a:endParaRPr>
+          </a:p>
+          <a:p>
+            <a:r>
               <a:rPr lang="en-US" altLang="zh-TW" sz="1600" dirty="0">
                 <a:latin typeface="Times New Roman" panose="02020603050405020304" pitchFamily="18" charset="0"/>
                 <a:cs typeface="Times New Roman" panose="02020603050405020304" pitchFamily="18" charset="0"/>
               </a:rPr>
-              <a:t>PCIE_GEN1</a:t>
+              <a:t>Areas to be edited are highlighted</a:t>
+            </a:r>
+          </a:p>
+          <a:p>
+            <a:r>
+              <a:rPr lang="en-US" altLang="zh-TW" sz="1600" dirty="0">
+                <a:latin typeface="Times New Roman" panose="02020603050405020304" pitchFamily="18" charset="0"/>
+                <a:cs typeface="Times New Roman" panose="02020603050405020304" pitchFamily="18" charset="0"/>
+              </a:rPr>
+              <a:t>Edit settings in </a:t>
+            </a:r>
+            <a:r>
+              <a:rPr lang="en-US" altLang="zh-TW" sz="1600" dirty="0" err="1">
+                <a:latin typeface="Times New Roman" panose="02020603050405020304" pitchFamily="18" charset="0"/>
+                <a:cs typeface="Times New Roman" panose="02020603050405020304" pitchFamily="18" charset="0"/>
+              </a:rPr>
+              <a:t>PCIeDE#Gen#x#lf</a:t>
+            </a:r>
+            <a:r>
+              <a:rPr lang="en-US" altLang="zh-TW" sz="1600" dirty="0">
+                <a:latin typeface="Times New Roman" panose="02020603050405020304" pitchFamily="18" charset="0"/>
+                <a:cs typeface="Times New Roman" panose="02020603050405020304" pitchFamily="18" charset="0"/>
+              </a:rPr>
+              <a:t>### first</a:t>
+            </a:r>
+          </a:p>
+          <a:p>
+            <a:r>
+              <a:rPr lang="en-US" altLang="zh-TW" sz="1600" dirty="0">
+                <a:latin typeface="Times New Roman" panose="02020603050405020304" pitchFamily="18" charset="0"/>
+                <a:cs typeface="Times New Roman" panose="02020603050405020304" pitchFamily="18" charset="0"/>
+              </a:rPr>
+              <a:t>Then for </a:t>
+            </a:r>
+            <a:r>
+              <a:rPr lang="en-US" altLang="zh-TW" sz="1600" dirty="0" err="1">
+                <a:latin typeface="Times New Roman" panose="02020603050405020304" pitchFamily="18" charset="0"/>
+                <a:cs typeface="Times New Roman" panose="02020603050405020304" pitchFamily="18" charset="0"/>
+              </a:rPr>
+              <a:t>XCVRCtrlGen#x</a:t>
+            </a:r>
+            <a:r>
+              <a:rPr lang="en-US" altLang="zh-TW" sz="1600" dirty="0">
+                <a:latin typeface="Times New Roman" panose="02020603050405020304" pitchFamily="18" charset="0"/>
+                <a:cs typeface="Times New Roman" panose="02020603050405020304" pitchFamily="18" charset="0"/>
+              </a:rPr>
+              <a:t>#, and </a:t>
+            </a:r>
+            <a:r>
+              <a:rPr lang="en-US" altLang="zh-TW" sz="1600" dirty="0" err="1">
+                <a:latin typeface="Times New Roman" panose="02020603050405020304" pitchFamily="18" charset="0"/>
+                <a:cs typeface="Times New Roman" panose="02020603050405020304" pitchFamily="18" charset="0"/>
+              </a:rPr>
+              <a:t>XDRVCtrlGen#x</a:t>
+            </a:r>
+            <a:r>
+              <a:rPr lang="en-US" altLang="zh-TW" sz="1600" dirty="0">
+                <a:latin typeface="Times New Roman" panose="02020603050405020304" pitchFamily="18" charset="0"/>
+                <a:cs typeface="Times New Roman" panose="02020603050405020304" pitchFamily="18" charset="0"/>
+              </a:rPr>
+              <a:t>#</a:t>
             </a:r>
           </a:p>
           <a:p>
             <a:pPr lvl="1"/>
             <a:r>
-              <a:rPr lang="en-US" altLang="zh-TW" sz="1600" dirty="0">
-                <a:latin typeface="Times New Roman" panose="02020603050405020304" pitchFamily="18" charset="0"/>
-                <a:cs typeface="Times New Roman" panose="02020603050405020304" pitchFamily="18" charset="0"/>
-              </a:rPr>
-              <a:t>PCIE_GEN2</a:t>
-            </a:r>
-          </a:p>
-          <a:p>
-            <a:pPr lvl="1"/>
-            <a:r>
-              <a:rPr lang="en-US" altLang="zh-TW" sz="1600" dirty="0">
-                <a:latin typeface="Times New Roman" panose="02020603050405020304" pitchFamily="18" charset="0"/>
-                <a:cs typeface="Times New Roman" panose="02020603050405020304" pitchFamily="18" charset="0"/>
-              </a:rPr>
-              <a:t>PCIE_GEN3</a:t>
-            </a:r>
-            <a:endParaRPr lang="en-US" altLang="zh-TW" sz="1600" dirty="0">
+              <a:rPr lang="en-US" altLang="zh-TW" sz="1400" dirty="0">
+                <a:latin typeface="Times New Roman" panose="02020603050405020304" pitchFamily="18" charset="0"/>
+                <a:cs typeface="Times New Roman" panose="02020603050405020304" pitchFamily="18" charset="0"/>
+              </a:rPr>
+              <a:t>Edit </a:t>
+            </a:r>
+            <a:r>
+              <a:rPr lang="en-US" altLang="zh-TW" sz="1400" i="1" dirty="0">
+                <a:latin typeface="Times New Roman" panose="02020603050405020304" pitchFamily="18" charset="0"/>
+                <a:cs typeface="Times New Roman" panose="02020603050405020304" pitchFamily="18" charset="0"/>
+              </a:rPr>
+              <a:t>Number of reconfiguration </a:t>
+            </a:r>
+            <a:r>
+              <a:rPr lang="en-US" altLang="zh-TW" sz="1400" i="1" dirty="0" smtClean="0">
+                <a:latin typeface="Times New Roman" panose="02020603050405020304" pitchFamily="18" charset="0"/>
+                <a:cs typeface="Times New Roman" panose="02020603050405020304" pitchFamily="18" charset="0"/>
+              </a:rPr>
+              <a:t>interfaces</a:t>
+            </a:r>
+            <a:r>
+              <a:rPr lang="en-US" altLang="zh-TW" sz="1400" dirty="0" smtClean="0">
+                <a:latin typeface="Times New Roman" panose="02020603050405020304" pitchFamily="18" charset="0"/>
+                <a:cs typeface="Times New Roman" panose="02020603050405020304" pitchFamily="18" charset="0"/>
+              </a:rPr>
+              <a:t> </a:t>
+            </a:r>
+            <a:r>
+              <a:rPr lang="en-US" altLang="zh-TW" sz="1400" dirty="0">
+                <a:latin typeface="Times New Roman" panose="02020603050405020304" pitchFamily="18" charset="0"/>
+                <a:cs typeface="Times New Roman" panose="02020603050405020304" pitchFamily="18" charset="0"/>
+              </a:rPr>
+              <a:t>accordingly</a:t>
+            </a:r>
+            <a:endParaRPr lang="en-US" altLang="zh-TW" sz="1400" dirty="0">
               <a:latin typeface="Times New Roman" panose="02020603050405020304" pitchFamily="18" charset="0"/>
               <a:cs typeface="Times New Roman" panose="02020603050405020304" pitchFamily="18" charset="0"/>
             </a:endParaRPr>
@@ -12612,22 +12621,45 @@
       </p:sp>
       <p:pic>
         <p:nvPicPr>
-          <p:cNvPr id="7" name="圖片 6"/>
+          <p:cNvPr id="10" name="圖片 9"/>
+          <p:cNvPicPr>
+            <a:picLocks noChangeAspect="1"/>
+          </p:cNvPicPr>
+          <p:nvPr/>
+        </p:nvPicPr>
+        <p:blipFill rotWithShape="1">
+          <a:blip r:embed="rId2"/>
+          <a:srcRect t="29204" b="15941"/>
+          <a:stretch/>
+        </p:blipFill>
+        <p:spPr>
+          <a:xfrm>
+            <a:off x="6317539" y="1252152"/>
+            <a:ext cx="2777158" cy="1500730"/>
+          </a:xfrm>
+          <a:prstGeom prst="rect">
+            <a:avLst/>
+          </a:prstGeom>
+        </p:spPr>
+      </p:pic>
+      <p:pic>
+        <p:nvPicPr>
+          <p:cNvPr id="11" name="圖片 10"/>
           <p:cNvPicPr>
             <a:picLocks noChangeAspect="1"/>
           </p:cNvPicPr>
           <p:nvPr/>
         </p:nvPicPr>
         <p:blipFill>
-          <a:blip r:embed="rId2"/>
+          <a:blip r:embed="rId3"/>
           <a:stretch>
             <a:fillRect/>
           </a:stretch>
         </p:blipFill>
         <p:spPr>
           <a:xfrm>
-            <a:off x="2515850" y="2725595"/>
-            <a:ext cx="6493844" cy="3621103"/>
+            <a:off x="3491078" y="3181021"/>
+            <a:ext cx="5386737" cy="3530802"/>
           </a:xfrm>
           <a:prstGeom prst="rect">
             <a:avLst/>
@@ -12637,7 +12669,7 @@
     </p:spTree>
     <p:extLst>
       <p:ext uri="{BB962C8B-B14F-4D97-AF65-F5344CB8AC3E}">
-        <p14:creationId xmlns:p14="http://schemas.microsoft.com/office/powerpoint/2010/main" val="379824758"/>
+        <p14:creationId xmlns:p14="http://schemas.microsoft.com/office/powerpoint/2010/main" val="4006218224"/>
       </p:ext>
     </p:extLst>
   </p:cSld>
@@ -13176,26 +13208,33 @@
           <a:lstStyle/>
           <a:p>
             <a:r>
-              <a:rPr lang="en-US" altLang="zh-TW" dirty="0" smtClean="0">
+              <a:rPr lang="en-US" altLang="zh-TW" dirty="0">
                 <a:latin typeface="Times New Roman" panose="02020603050405020304" pitchFamily="18" charset="0"/>
                 <a:cs typeface="Times New Roman" panose="02020603050405020304" pitchFamily="18" charset="0"/>
               </a:rPr>
               <a:t>Changing </a:t>
             </a:r>
             <a:r>
-              <a:rPr lang="en-US" altLang="zh-TW" dirty="0" smtClean="0">
+              <a:rPr lang="en-US" altLang="zh-TW" dirty="0" err="1">
                 <a:solidFill>
                   <a:srgbClr val="FF0000"/>
                 </a:solidFill>
                 <a:latin typeface="Times New Roman" panose="02020603050405020304" pitchFamily="18" charset="0"/>
                 <a:cs typeface="Times New Roman" panose="02020603050405020304" pitchFamily="18" charset="0"/>
               </a:rPr>
-              <a:t>width</a:t>
+              <a:t>PCIe</a:t>
+            </a:r>
+            <a:r>
+              <a:rPr lang="en-US" altLang="zh-TW" dirty="0">
+                <a:solidFill>
+                  <a:srgbClr val="FF0000"/>
+                </a:solidFill>
+                <a:latin typeface="Times New Roman" panose="02020603050405020304" pitchFamily="18" charset="0"/>
+                <a:cs typeface="Times New Roman" panose="02020603050405020304" pitchFamily="18" charset="0"/>
+              </a:rPr>
+              <a:t> generation</a:t>
             </a:r>
             <a:endParaRPr lang="zh-TW" altLang="en-US" dirty="0">
-              <a:solidFill>
-                <a:srgbClr val="FF0000"/>
-              </a:solidFill>
               <a:latin typeface="Times New Roman" panose="02020603050405020304" pitchFamily="18" charset="0"/>
               <a:cs typeface="Times New Roman" panose="02020603050405020304" pitchFamily="18" charset="0"/>
             </a:endParaRPr>
@@ -13212,224 +13251,122 @@
             <p:ph idx="1"/>
           </p:nvPr>
         </p:nvSpPr>
-        <p:spPr/>
-        <p:txBody>
-          <a:bodyPr/>
-          <a:lstStyle/>
-          <a:p>
-            <a:r>
-              <a:rPr lang="en-US" altLang="zh-TW" dirty="0" smtClean="0">
-                <a:latin typeface="Times New Roman" panose="02020603050405020304" pitchFamily="18" charset="0"/>
-                <a:cs typeface="Times New Roman" panose="02020603050405020304" pitchFamily="18" charset="0"/>
-              </a:rPr>
-              <a:t>Go to </a:t>
-            </a:r>
-            <a:r>
-              <a:rPr lang="en-US" altLang="zh-TW" b="1" dirty="0" err="1">
-                <a:latin typeface="Times New Roman" panose="02020603050405020304" pitchFamily="18" charset="0"/>
-                <a:cs typeface="Times New Roman" panose="02020603050405020304" pitchFamily="18" charset="0"/>
-              </a:rPr>
-              <a:t>DE#Gen#x#lf</a:t>
-            </a:r>
-            <a:r>
-              <a:rPr lang="en-US" altLang="zh-TW" b="1" dirty="0">
-                <a:latin typeface="Times New Roman" panose="02020603050405020304" pitchFamily="18" charset="0"/>
-                <a:cs typeface="Times New Roman" panose="02020603050405020304" pitchFamily="18" charset="0"/>
-              </a:rPr>
-              <a:t>###.v</a:t>
-            </a:r>
-            <a:endParaRPr lang="en-US" altLang="zh-TW" b="1" dirty="0" smtClean="0">
+        <p:spPr>
+          <a:xfrm>
+            <a:off x="477796" y="1252152"/>
+            <a:ext cx="8184512" cy="5094546"/>
+          </a:xfrm>
+        </p:spPr>
+        <p:txBody>
+          <a:bodyPr>
+            <a:normAutofit/>
+          </a:bodyPr>
+          <a:lstStyle/>
+          <a:p>
+            <a:r>
+              <a:rPr lang="en-US" altLang="zh-TW" sz="1800" dirty="0">
+                <a:latin typeface="Times New Roman" panose="02020603050405020304" pitchFamily="18" charset="0"/>
+                <a:cs typeface="Times New Roman" panose="02020603050405020304" pitchFamily="18" charset="0"/>
+              </a:rPr>
+              <a:t>Go to assignment editor</a:t>
+            </a:r>
+          </a:p>
+          <a:p>
+            <a:r>
+              <a:rPr lang="en-US" altLang="zh-TW" sz="1800" dirty="0">
+                <a:latin typeface="Times New Roman" panose="02020603050405020304" pitchFamily="18" charset="0"/>
+                <a:cs typeface="Times New Roman" panose="02020603050405020304" pitchFamily="18" charset="0"/>
+              </a:rPr>
+              <a:t>Change Values accordingly</a:t>
+            </a:r>
+          </a:p>
+          <a:p>
+            <a:pPr lvl="1"/>
+            <a:r>
+              <a:rPr lang="en-US" altLang="zh-TW" sz="1600" dirty="0">
+                <a:latin typeface="Times New Roman" panose="02020603050405020304" pitchFamily="18" charset="0"/>
+                <a:cs typeface="Times New Roman" panose="02020603050405020304" pitchFamily="18" charset="0"/>
+              </a:rPr>
+              <a:t>PCIE_GEN1</a:t>
+            </a:r>
+          </a:p>
+          <a:p>
+            <a:pPr lvl="1"/>
+            <a:r>
+              <a:rPr lang="en-US" altLang="zh-TW" sz="1600" dirty="0">
+                <a:latin typeface="Times New Roman" panose="02020603050405020304" pitchFamily="18" charset="0"/>
+                <a:cs typeface="Times New Roman" panose="02020603050405020304" pitchFamily="18" charset="0"/>
+              </a:rPr>
+              <a:t>PCIE_GEN2</a:t>
+            </a:r>
+          </a:p>
+          <a:p>
+            <a:pPr lvl="1"/>
+            <a:r>
+              <a:rPr lang="en-US" altLang="zh-TW" sz="1600" dirty="0">
+                <a:latin typeface="Times New Roman" panose="02020603050405020304" pitchFamily="18" charset="0"/>
+                <a:cs typeface="Times New Roman" panose="02020603050405020304" pitchFamily="18" charset="0"/>
+              </a:rPr>
+              <a:t>PCIE_GEN3</a:t>
+            </a:r>
+            <a:endParaRPr lang="en-US" altLang="zh-TW" sz="1600" dirty="0">
               <a:latin typeface="Times New Roman" panose="02020603050405020304" pitchFamily="18" charset="0"/>
               <a:cs typeface="Times New Roman" panose="02020603050405020304" pitchFamily="18" charset="0"/>
             </a:endParaRPr>
           </a:p>
-          <a:p>
-            <a:pPr lvl="1"/>
-            <a:r>
-              <a:rPr lang="en-US" altLang="zh-TW" dirty="0" smtClean="0">
-                <a:latin typeface="Times New Roman" panose="02020603050405020304" pitchFamily="18" charset="0"/>
-                <a:cs typeface="Times New Roman" panose="02020603050405020304" pitchFamily="18" charset="0"/>
-              </a:rPr>
-              <a:t>Change parameter </a:t>
-            </a:r>
-            <a:r>
-              <a:rPr lang="en-US" altLang="zh-TW" i="1" dirty="0" smtClean="0">
-                <a:latin typeface="Times New Roman" panose="02020603050405020304" pitchFamily="18" charset="0"/>
-                <a:cs typeface="Times New Roman" panose="02020603050405020304" pitchFamily="18" charset="0"/>
-              </a:rPr>
-              <a:t>C_PCI_DATA_WIDTH </a:t>
-            </a:r>
-            <a:r>
-              <a:rPr lang="en-US" altLang="zh-TW" dirty="0" smtClean="0">
-                <a:latin typeface="Times New Roman" panose="02020603050405020304" pitchFamily="18" charset="0"/>
-                <a:cs typeface="Times New Roman" panose="02020603050405020304" pitchFamily="18" charset="0"/>
-              </a:rPr>
-              <a:t>to </a:t>
-            </a:r>
-            <a:r>
-              <a:rPr lang="en-US" altLang="zh-TW" i="1" dirty="0" smtClean="0">
-                <a:latin typeface="Times New Roman" panose="02020603050405020304" pitchFamily="18" charset="0"/>
-                <a:cs typeface="Times New Roman" panose="02020603050405020304" pitchFamily="18" charset="0"/>
-              </a:rPr>
-              <a:t>width</a:t>
-            </a:r>
-            <a:endParaRPr lang="en-US" altLang="zh-TW" i="1" dirty="0">
-              <a:latin typeface="Times New Roman" panose="02020603050405020304" pitchFamily="18" charset="0"/>
-              <a:cs typeface="Times New Roman" panose="02020603050405020304" pitchFamily="18" charset="0"/>
-            </a:endParaRPr>
-          </a:p>
-          <a:p>
-            <a:pPr lvl="1"/>
-            <a:r>
-              <a:rPr lang="en-US" altLang="zh-TW" dirty="0">
-                <a:latin typeface="Times New Roman" panose="02020603050405020304" pitchFamily="18" charset="0"/>
-                <a:cs typeface="Times New Roman" panose="02020603050405020304" pitchFamily="18" charset="0"/>
-              </a:rPr>
-              <a:t>For IP </a:t>
-            </a:r>
-            <a:r>
-              <a:rPr lang="en-US" altLang="zh-TW" dirty="0" err="1">
-                <a:latin typeface="Times New Roman" panose="02020603050405020304" pitchFamily="18" charset="0"/>
-                <a:cs typeface="Times New Roman" panose="02020603050405020304" pitchFamily="18" charset="0"/>
-              </a:rPr>
-              <a:t>QSysDE#Gen#x#If</a:t>
-            </a:r>
-            <a:r>
-              <a:rPr lang="en-US" altLang="zh-TW" dirty="0">
-                <a:latin typeface="Times New Roman" panose="02020603050405020304" pitchFamily="18" charset="0"/>
-                <a:cs typeface="Times New Roman" panose="02020603050405020304" pitchFamily="18" charset="0"/>
-              </a:rPr>
-              <a:t>### </a:t>
-            </a:r>
-            <a:r>
-              <a:rPr lang="en-US" altLang="zh-TW" i="1" dirty="0" err="1">
-                <a:latin typeface="Times New Roman" panose="02020603050405020304" pitchFamily="18" charset="0"/>
-                <a:cs typeface="Times New Roman" panose="02020603050405020304" pitchFamily="18" charset="0"/>
-              </a:rPr>
-              <a:t>pcie_system_inst</a:t>
-            </a:r>
-            <a:endParaRPr lang="en-US" altLang="zh-TW" i="1" dirty="0">
-              <a:latin typeface="Times New Roman" panose="02020603050405020304" pitchFamily="18" charset="0"/>
-              <a:cs typeface="Times New Roman" panose="02020603050405020304" pitchFamily="18" charset="0"/>
-            </a:endParaRPr>
-          </a:p>
-          <a:p>
-            <a:pPr lvl="2"/>
-            <a:r>
-              <a:rPr lang="en-US" altLang="zh-TW" dirty="0" smtClean="0">
-                <a:latin typeface="Times New Roman" panose="02020603050405020304" pitchFamily="18" charset="0"/>
-                <a:cs typeface="Times New Roman" panose="02020603050405020304" pitchFamily="18" charset="0"/>
-              </a:rPr>
-              <a:t>      .</a:t>
-            </a:r>
-            <a:r>
-              <a:rPr lang="en-US" altLang="zh-TW" dirty="0" err="1" smtClean="0">
-                <a:latin typeface="Times New Roman" panose="02020603050405020304" pitchFamily="18" charset="0"/>
-                <a:cs typeface="Times New Roman" panose="02020603050405020304" pitchFamily="18" charset="0"/>
-              </a:rPr>
-              <a:t>rx_st_data</a:t>
-            </a:r>
-            <a:r>
-              <a:rPr lang="en-US" altLang="zh-TW" dirty="0" smtClean="0">
-                <a:latin typeface="Times New Roman" panose="02020603050405020304" pitchFamily="18" charset="0"/>
-                <a:cs typeface="Times New Roman" panose="02020603050405020304" pitchFamily="18" charset="0"/>
-              </a:rPr>
-              <a:t> (</a:t>
-            </a:r>
-            <a:r>
-              <a:rPr lang="en-US" altLang="zh-TW" dirty="0" err="1" smtClean="0">
-                <a:latin typeface="Times New Roman" panose="02020603050405020304" pitchFamily="18" charset="0"/>
-                <a:cs typeface="Times New Roman" panose="02020603050405020304" pitchFamily="18" charset="0"/>
-              </a:rPr>
-              <a:t>rx_st_data</a:t>
-            </a:r>
-            <a:r>
-              <a:rPr lang="en-US" altLang="zh-TW" dirty="0" smtClean="0">
-                <a:latin typeface="Times New Roman" panose="02020603050405020304" pitchFamily="18" charset="0"/>
-                <a:cs typeface="Times New Roman" panose="02020603050405020304" pitchFamily="18" charset="0"/>
-              </a:rPr>
-              <a:t>[</a:t>
-            </a:r>
-            <a:r>
-              <a:rPr lang="en-US" altLang="zh-TW" b="1" dirty="0" smtClean="0">
-                <a:latin typeface="Times New Roman" panose="02020603050405020304" pitchFamily="18" charset="0"/>
-                <a:cs typeface="Times New Roman" panose="02020603050405020304" pitchFamily="18" charset="0"/>
-              </a:rPr>
-              <a:t>C_PCI_DATA_WIDTH</a:t>
-            </a:r>
-            <a:r>
-              <a:rPr lang="en-US" altLang="zh-TW" dirty="0" smtClean="0">
-                <a:latin typeface="Times New Roman" panose="02020603050405020304" pitchFamily="18" charset="0"/>
-                <a:cs typeface="Times New Roman" panose="02020603050405020304" pitchFamily="18" charset="0"/>
-              </a:rPr>
-              <a:t>-1:0]),</a:t>
-            </a:r>
-          </a:p>
-          <a:p>
-            <a:pPr lvl="2"/>
-            <a:r>
-              <a:rPr lang="en-US" altLang="zh-TW" dirty="0" smtClean="0">
-                <a:latin typeface="Times New Roman" panose="02020603050405020304" pitchFamily="18" charset="0"/>
-                <a:cs typeface="Times New Roman" panose="02020603050405020304" pitchFamily="18" charset="0"/>
-              </a:rPr>
-              <a:t>      .</a:t>
-            </a:r>
-            <a:r>
-              <a:rPr lang="en-US" altLang="zh-TW" dirty="0" err="1" smtClean="0">
-                <a:latin typeface="Times New Roman" panose="02020603050405020304" pitchFamily="18" charset="0"/>
-                <a:cs typeface="Times New Roman" panose="02020603050405020304" pitchFamily="18" charset="0"/>
-              </a:rPr>
-              <a:t>tx_st_data</a:t>
-            </a:r>
-            <a:r>
-              <a:rPr lang="en-US" altLang="zh-TW" dirty="0" smtClean="0">
-                <a:latin typeface="Times New Roman" panose="02020603050405020304" pitchFamily="18" charset="0"/>
-                <a:cs typeface="Times New Roman" panose="02020603050405020304" pitchFamily="18" charset="0"/>
-              </a:rPr>
-              <a:t> (</a:t>
-            </a:r>
-            <a:r>
-              <a:rPr lang="en-US" altLang="zh-TW" dirty="0" err="1" smtClean="0">
-                <a:latin typeface="Times New Roman" panose="02020603050405020304" pitchFamily="18" charset="0"/>
-                <a:cs typeface="Times New Roman" panose="02020603050405020304" pitchFamily="18" charset="0"/>
-              </a:rPr>
-              <a:t>tx_st_data</a:t>
-            </a:r>
-            <a:r>
-              <a:rPr lang="en-US" altLang="zh-TW" dirty="0" smtClean="0">
-                <a:latin typeface="Times New Roman" panose="02020603050405020304" pitchFamily="18" charset="0"/>
-                <a:cs typeface="Times New Roman" panose="02020603050405020304" pitchFamily="18" charset="0"/>
-              </a:rPr>
-              <a:t>[</a:t>
-            </a:r>
-            <a:r>
-              <a:rPr lang="en-US" altLang="zh-TW" b="1" dirty="0" smtClean="0">
-                <a:latin typeface="Times New Roman" panose="02020603050405020304" pitchFamily="18" charset="0"/>
-                <a:cs typeface="Times New Roman" panose="02020603050405020304" pitchFamily="18" charset="0"/>
-              </a:rPr>
-              <a:t>C_PCI_DATA_WIDTH</a:t>
-            </a:r>
-            <a:r>
-              <a:rPr lang="en-US" altLang="zh-TW" dirty="0" smtClean="0">
-                <a:latin typeface="Times New Roman" panose="02020603050405020304" pitchFamily="18" charset="0"/>
-                <a:cs typeface="Times New Roman" panose="02020603050405020304" pitchFamily="18" charset="0"/>
-              </a:rPr>
-              <a:t>-1:0]),</a:t>
-            </a:r>
-          </a:p>
-          <a:p>
-            <a:pPr lvl="1"/>
-            <a:endParaRPr lang="en-US" altLang="zh-TW" i="1" dirty="0" smtClean="0"/>
-          </a:p>
-          <a:p>
-            <a:endParaRPr lang="zh-TW" altLang="en-US" dirty="0"/>
-          </a:p>
-        </p:txBody>
-      </p:sp>
+        </p:txBody>
+      </p:sp>
+      <p:sp>
+        <p:nvSpPr>
+          <p:cNvPr id="4" name="投影片編號版面配置區 3"/>
+          <p:cNvSpPr>
+            <a:spLocks noGrp="1"/>
+          </p:cNvSpPr>
+          <p:nvPr>
+            <p:ph type="sldNum" sz="quarter" idx="12"/>
+          </p:nvPr>
+        </p:nvSpPr>
+        <p:spPr/>
+        <p:txBody>
+          <a:bodyPr/>
+          <a:lstStyle/>
+          <a:p>
+            <a:fld id="{D4E83C2F-CC96-46F6-9B3C-3132E4070188}" type="slidenum">
+              <a:rPr lang="zh-TW" altLang="en-US" smtClean="0"/>
+              <a:t>30</a:t>
+            </a:fld>
+            <a:endParaRPr lang="zh-TW" altLang="en-US"/>
+          </a:p>
+        </p:txBody>
+      </p:sp>
+      <p:pic>
+        <p:nvPicPr>
+          <p:cNvPr id="7" name="圖片 6"/>
+          <p:cNvPicPr>
+            <a:picLocks noChangeAspect="1"/>
+          </p:cNvPicPr>
+          <p:nvPr/>
+        </p:nvPicPr>
+        <p:blipFill>
+          <a:blip r:embed="rId2"/>
+          <a:stretch>
+            <a:fillRect/>
+          </a:stretch>
+        </p:blipFill>
+        <p:spPr>
+          <a:xfrm>
+            <a:off x="2515850" y="2725595"/>
+            <a:ext cx="6493844" cy="3621103"/>
+          </a:xfrm>
+          <a:prstGeom prst="rect">
+            <a:avLst/>
+          </a:prstGeom>
+        </p:spPr>
+      </p:pic>
     </p:spTree>
     <p:extLst>
       <p:ext uri="{BB962C8B-B14F-4D97-AF65-F5344CB8AC3E}">
-        <p14:creationId xmlns:p14="http://schemas.microsoft.com/office/powerpoint/2010/main" val="1937570737"/>
+        <p14:creationId xmlns:p14="http://schemas.microsoft.com/office/powerpoint/2010/main" val="379824758"/>
       </p:ext>
     </p:extLst>
   </p:cSld>
@@ -13479,21 +13416,21 @@
           <a:lstStyle/>
           <a:p>
             <a:r>
-              <a:rPr lang="en-US" altLang="zh-TW" dirty="0">
+              <a:rPr lang="en-US" altLang="zh-TW" dirty="0" smtClean="0">
                 <a:latin typeface="Times New Roman" panose="02020603050405020304" pitchFamily="18" charset="0"/>
                 <a:cs typeface="Times New Roman" panose="02020603050405020304" pitchFamily="18" charset="0"/>
               </a:rPr>
               <a:t>Changing </a:t>
             </a:r>
             <a:r>
-              <a:rPr lang="en-US" altLang="zh-TW" dirty="0">
+              <a:rPr lang="en-US" altLang="zh-TW" dirty="0" smtClean="0">
                 <a:solidFill>
                   <a:srgbClr val="FF0000"/>
                 </a:solidFill>
                 <a:latin typeface="Times New Roman" panose="02020603050405020304" pitchFamily="18" charset="0"/>
                 <a:cs typeface="Times New Roman" panose="02020603050405020304" pitchFamily="18" charset="0"/>
               </a:rPr>
-              <a:t>number of lanes</a:t>
+              <a:t>width</a:t>
             </a:r>
             <a:endParaRPr lang="zh-TW" altLang="en-US" dirty="0">
               <a:solidFill>
@@ -13521,7 +13458,7 @@
           <a:lstStyle/>
           <a:p>
             <a:r>
-              <a:rPr lang="en-US" altLang="zh-TW" dirty="0">
+              <a:rPr lang="en-US" altLang="zh-TW" dirty="0" smtClean="0">
                 <a:latin typeface="Times New Roman" panose="02020603050405020304" pitchFamily="18" charset="0"/>
                 <a:cs typeface="Times New Roman" panose="02020603050405020304" pitchFamily="18" charset="0"/>
               </a:rPr>
@@ -13541,67 +13478,40 @@
               </a:rPr>
               <a:t>###.v</a:t>
             </a:r>
+            <a:endParaRPr lang="en-US" altLang="zh-TW" b="1" dirty="0" smtClean="0">
+              <a:latin typeface="Times New Roman" panose="02020603050405020304" pitchFamily="18" charset="0"/>
+              <a:cs typeface="Times New Roman" panose="02020603050405020304" pitchFamily="18" charset="0"/>
+            </a:endParaRPr>
           </a:p>
           <a:p>
             <a:pPr lvl="1"/>
             <a:r>
-              <a:rPr lang="en-US" altLang="zh-TW" dirty="0">
+              <a:rPr lang="en-US" altLang="zh-TW" dirty="0" smtClean="0">
                 <a:latin typeface="Times New Roman" panose="02020603050405020304" pitchFamily="18" charset="0"/>
                 <a:cs typeface="Times New Roman" panose="02020603050405020304" pitchFamily="18" charset="0"/>
               </a:rPr>
               <a:t>Change parameter </a:t>
             </a:r>
             <a:r>
-              <a:rPr lang="en-US" altLang="zh-TW" i="1" dirty="0">
-                <a:latin typeface="Times New Roman" panose="02020603050405020304" pitchFamily="18" charset="0"/>
-                <a:cs typeface="Times New Roman" panose="02020603050405020304" pitchFamily="18" charset="0"/>
-              </a:rPr>
-              <a:t>C_NUM_LANES</a:t>
-            </a:r>
-            <a:r>
-              <a:rPr lang="en-US" altLang="zh-TW" dirty="0">
-                <a:latin typeface="Times New Roman" panose="02020603050405020304" pitchFamily="18" charset="0"/>
-                <a:cs typeface="Times New Roman" panose="02020603050405020304" pitchFamily="18" charset="0"/>
-              </a:rPr>
-              <a:t> to </a:t>
-            </a:r>
-            <a:r>
-              <a:rPr lang="en-US" altLang="zh-TW" i="1" dirty="0">
-                <a:latin typeface="Times New Roman" panose="02020603050405020304" pitchFamily="18" charset="0"/>
-                <a:cs typeface="Times New Roman" panose="02020603050405020304" pitchFamily="18" charset="0"/>
-              </a:rPr>
-              <a:t>number of lanes</a:t>
-            </a:r>
-          </a:p>
-          <a:p>
-            <a:pPr lvl="1"/>
-            <a:r>
-              <a:rPr lang="en-US" altLang="zh-TW" dirty="0">
-                <a:latin typeface="Times New Roman" panose="02020603050405020304" pitchFamily="18" charset="0"/>
-                <a:cs typeface="Times New Roman" panose="02020603050405020304" pitchFamily="18" charset="0"/>
-              </a:rPr>
-              <a:t>For IP </a:t>
-            </a:r>
-            <a:r>
-              <a:rPr lang="en-US" altLang="zh-TW" dirty="0" err="1">
-                <a:latin typeface="Times New Roman" panose="02020603050405020304" pitchFamily="18" charset="0"/>
-                <a:cs typeface="Times New Roman" panose="02020603050405020304" pitchFamily="18" charset="0"/>
-              </a:rPr>
-              <a:t>QSysDE#Gen#x#If</a:t>
-            </a:r>
-            <a:r>
-              <a:rPr lang="en-US" altLang="zh-TW" dirty="0">
-                <a:latin typeface="Times New Roman" panose="02020603050405020304" pitchFamily="18" charset="0"/>
-                <a:cs typeface="Times New Roman" panose="02020603050405020304" pitchFamily="18" charset="0"/>
-              </a:rPr>
-              <a:t>### </a:t>
-            </a:r>
-            <a:r>
-              <a:rPr lang="en-US" altLang="zh-TW" i="1" dirty="0" err="1">
-                <a:latin typeface="Times New Roman" panose="02020603050405020304" pitchFamily="18" charset="0"/>
-                <a:cs typeface="Times New Roman" panose="02020603050405020304" pitchFamily="18" charset="0"/>
-              </a:rPr>
-              <a:t>pcie_system_inst</a:t>
+              <a:rPr lang="en-US" altLang="zh-TW" i="1" dirty="0" smtClean="0">
+                <a:latin typeface="Times New Roman" panose="02020603050405020304" pitchFamily="18" charset="0"/>
+                <a:cs typeface="Times New Roman" panose="02020603050405020304" pitchFamily="18" charset="0"/>
+              </a:rPr>
+              <a:t>C_PCI_DATA_WIDTH </a:t>
+            </a:r>
+            <a:r>
+              <a:rPr lang="en-US" altLang="zh-TW" dirty="0" smtClean="0">
+                <a:latin typeface="Times New Roman" panose="02020603050405020304" pitchFamily="18" charset="0"/>
+                <a:cs typeface="Times New Roman" panose="02020603050405020304" pitchFamily="18" charset="0"/>
+              </a:rPr>
+              <a:t>to </a:t>
+            </a:r>
+            <a:r>
+              <a:rPr lang="en-US" altLang="zh-TW" i="1" dirty="0" smtClean="0">
+                <a:latin typeface="Times New Roman" panose="02020603050405020304" pitchFamily="18" charset="0"/>
+                <a:cs typeface="Times New Roman" panose="02020603050405020304" pitchFamily="18" charset="0"/>
+              </a:rPr>
+              <a:t>width</a:t>
             </a:r>
             <a:endParaRPr lang="en-US" altLang="zh-TW" i="1" dirty="0">
               <a:latin typeface="Times New Roman" panose="02020603050405020304" pitchFamily="18" charset="0"/>
@@ -13609,199 +13519,157 @@
             </a:endParaRPr>
           </a:p>
           <a:p>
-            <a:pPr lvl="2"/>
+            <a:pPr lvl="1"/>
             <a:r>
               <a:rPr lang="en-US" altLang="zh-TW" dirty="0">
                 <a:latin typeface="Times New Roman" panose="02020603050405020304" pitchFamily="18" charset="0"/>
                 <a:cs typeface="Times New Roman" panose="02020603050405020304" pitchFamily="18" charset="0"/>
               </a:rPr>
-              <a:t>      .pcieserial_tx_out0 (PCIE_TX_OUT[0]),</a:t>
-            </a:r>
-          </a:p>
-          <a:p>
-            <a:pPr lvl="2"/>
+              <a:t>For IP </a:t>
+            </a:r>
+            <a:r>
+              <a:rPr lang="en-US" altLang="zh-TW" dirty="0" err="1">
+                <a:latin typeface="Times New Roman" panose="02020603050405020304" pitchFamily="18" charset="0"/>
+                <a:cs typeface="Times New Roman" panose="02020603050405020304" pitchFamily="18" charset="0"/>
+              </a:rPr>
+              <a:t>QSysDE#Gen#x#If</a:t>
+            </a:r>
             <a:r>
               <a:rPr lang="en-US" altLang="zh-TW" dirty="0">
                 <a:latin typeface="Times New Roman" panose="02020603050405020304" pitchFamily="18" charset="0"/>
                 <a:cs typeface="Times New Roman" panose="02020603050405020304" pitchFamily="18" charset="0"/>
               </a:rPr>
-              <a:t>      .pcieserial_tx_out1 (PCIE_TX_OUT[1]),</a:t>
-            </a:r>
-          </a:p>
-          <a:p>
-            <a:pPr lvl="2"/>
-            <a:r>
-              <a:rPr lang="en-US" altLang="zh-TW" dirty="0">
-                <a:latin typeface="Times New Roman" panose="02020603050405020304" pitchFamily="18" charset="0"/>
-                <a:cs typeface="Times New Roman" panose="02020603050405020304" pitchFamily="18" charset="0"/>
-              </a:rPr>
-              <a:t>      ...</a:t>
-            </a:r>
-          </a:p>
-          <a:p>
-            <a:pPr lvl="2"/>
-            <a:r>
-              <a:rPr lang="en-US" altLang="zh-TW" dirty="0">
-                <a:latin typeface="Times New Roman" panose="02020603050405020304" pitchFamily="18" charset="0"/>
-                <a:cs typeface="Times New Roman" panose="02020603050405020304" pitchFamily="18" charset="0"/>
-              </a:rPr>
-              <a:t>      .</a:t>
-            </a:r>
-            <a:r>
-              <a:rPr lang="en-US" altLang="zh-TW" dirty="0" err="1">
-                <a:latin typeface="Times New Roman" panose="02020603050405020304" pitchFamily="18" charset="0"/>
-                <a:cs typeface="Times New Roman" panose="02020603050405020304" pitchFamily="18" charset="0"/>
-              </a:rPr>
-              <a:t>pcieserial_tx_out</a:t>
-            </a:r>
-            <a:r>
-              <a:rPr lang="en-US" altLang="zh-TW" dirty="0">
-                <a:latin typeface="Times New Roman" panose="02020603050405020304" pitchFamily="18" charset="0"/>
-                <a:cs typeface="Times New Roman" panose="02020603050405020304" pitchFamily="18" charset="0"/>
-              </a:rPr>
-              <a:t># (PCIE_TX_OUT[#]),</a:t>
-            </a:r>
-          </a:p>
-          <a:p>
-            <a:pPr lvl="1"/>
-            <a:r>
-              <a:rPr lang="en-US" altLang="zh-TW" dirty="0">
-                <a:latin typeface="Times New Roman" panose="02020603050405020304" pitchFamily="18" charset="0"/>
-                <a:cs typeface="Times New Roman" panose="02020603050405020304" pitchFamily="18" charset="0"/>
-              </a:rPr>
-              <a:t>AND</a:t>
-            </a:r>
-          </a:p>
-          <a:p>
-            <a:pPr lvl="2"/>
-            <a:r>
-              <a:rPr lang="en-US" altLang="zh-TW" dirty="0">
-                <a:latin typeface="Times New Roman" panose="02020603050405020304" pitchFamily="18" charset="0"/>
-                <a:cs typeface="Times New Roman" panose="02020603050405020304" pitchFamily="18" charset="0"/>
-              </a:rPr>
-              <a:t>      .pcieserial_rx_in0  (PCIE_RX_IN[0]),</a:t>
-            </a:r>
-          </a:p>
-          <a:p>
-            <a:pPr lvl="2"/>
-            <a:r>
-              <a:rPr lang="en-US" altLang="zh-TW" dirty="0">
-                <a:latin typeface="Times New Roman" panose="02020603050405020304" pitchFamily="18" charset="0"/>
-                <a:cs typeface="Times New Roman" panose="02020603050405020304" pitchFamily="18" charset="0"/>
-              </a:rPr>
-              <a:t>      .pcieserial_rx_in1  (PCIE_RX_IN[1]),</a:t>
-            </a:r>
-          </a:p>
-          <a:p>
-            <a:pPr lvl="2"/>
-            <a:r>
-              <a:rPr lang="en-US" altLang="zh-TW" dirty="0">
-                <a:latin typeface="Times New Roman" panose="02020603050405020304" pitchFamily="18" charset="0"/>
-                <a:cs typeface="Times New Roman" panose="02020603050405020304" pitchFamily="18" charset="0"/>
-              </a:rPr>
-              <a:t>      ...</a:t>
-            </a:r>
-          </a:p>
-          <a:p>
-            <a:pPr lvl="2"/>
-            <a:r>
-              <a:rPr lang="en-US" altLang="zh-TW" dirty="0">
-                <a:latin typeface="Times New Roman" panose="02020603050405020304" pitchFamily="18" charset="0"/>
-                <a:cs typeface="Times New Roman" panose="02020603050405020304" pitchFamily="18" charset="0"/>
-              </a:rPr>
-              <a:t>      .</a:t>
-            </a:r>
-            <a:r>
-              <a:rPr lang="en-US" altLang="zh-TW" dirty="0" err="1">
-                <a:latin typeface="Times New Roman" panose="02020603050405020304" pitchFamily="18" charset="0"/>
-                <a:cs typeface="Times New Roman" panose="02020603050405020304" pitchFamily="18" charset="0"/>
-              </a:rPr>
-              <a:t>pcieserial_rx_in</a:t>
-            </a:r>
-            <a:r>
-              <a:rPr lang="en-US" altLang="zh-TW" dirty="0">
-                <a:latin typeface="Times New Roman" panose="02020603050405020304" pitchFamily="18" charset="0"/>
-                <a:cs typeface="Times New Roman" panose="02020603050405020304" pitchFamily="18" charset="0"/>
-              </a:rPr>
-              <a:t>#  (PCIE_RX_IN[#]),</a:t>
-            </a:r>
-          </a:p>
-          <a:p>
-            <a:pPr lvl="3"/>
-            <a:r>
-              <a:rPr lang="en-US" altLang="zh-TW" dirty="0">
-                <a:latin typeface="Times New Roman" panose="02020603050405020304" pitchFamily="18" charset="0"/>
-                <a:cs typeface="Times New Roman" panose="02020603050405020304" pitchFamily="18" charset="0"/>
-              </a:rPr>
-              <a:t># = C_NUM_LANES - 1</a:t>
-            </a:r>
-          </a:p>
-          <a:p>
-            <a:r>
-              <a:rPr lang="en-US" altLang="zh-TW" dirty="0">
-                <a:latin typeface="Times New Roman" panose="02020603050405020304" pitchFamily="18" charset="0"/>
-                <a:cs typeface="Times New Roman" panose="02020603050405020304" pitchFamily="18" charset="0"/>
-              </a:rPr>
-              <a:t>Go to assignment editor</a:t>
-            </a:r>
-          </a:p>
-          <a:p>
-            <a:pPr lvl="1"/>
-            <a:r>
-              <a:rPr lang="en-US" altLang="zh-TW" dirty="0">
-                <a:latin typeface="Times New Roman" panose="02020603050405020304" pitchFamily="18" charset="0"/>
-                <a:cs typeface="Times New Roman" panose="02020603050405020304" pitchFamily="18" charset="0"/>
-              </a:rPr>
-              <a:t>Add PCIE_RX_IN[#], PCIE_RX_IN[#](n), </a:t>
-            </a:r>
-            <a:br>
-              <a:rPr lang="en-US" altLang="zh-TW" dirty="0">
-                <a:latin typeface="Times New Roman" panose="02020603050405020304" pitchFamily="18" charset="0"/>
-                <a:cs typeface="Times New Roman" panose="02020603050405020304" pitchFamily="18" charset="0"/>
-              </a:rPr>
-            </a:br>
-            <a:r>
-              <a:rPr lang="en-US" altLang="zh-TW" dirty="0">
-                <a:latin typeface="Times New Roman" panose="02020603050405020304" pitchFamily="18" charset="0"/>
-                <a:cs typeface="Times New Roman" panose="02020603050405020304" pitchFamily="18" charset="0"/>
-              </a:rPr>
-              <a:t>        PCIE_TX_OUT[#], PCIE_TX_OUT[#](n),</a:t>
-            </a:r>
-            <a:endParaRPr lang="en-US" altLang="zh-TW" dirty="0">
+              <a:t>### </a:t>
+            </a:r>
+            <a:r>
+              <a:rPr lang="en-US" altLang="zh-TW" i="1" dirty="0" err="1">
+                <a:latin typeface="Times New Roman" panose="02020603050405020304" pitchFamily="18" charset="0"/>
+                <a:cs typeface="Times New Roman" panose="02020603050405020304" pitchFamily="18" charset="0"/>
+              </a:rPr>
+              <a:t>pcie_system_inst</a:t>
+            </a:r>
+            <a:endParaRPr lang="en-US" altLang="zh-TW" i="1" dirty="0">
               <a:latin typeface="Times New Roman" panose="02020603050405020304" pitchFamily="18" charset="0"/>
               <a:cs typeface="Times New Roman" panose="02020603050405020304" pitchFamily="18" charset="0"/>
             </a:endParaRPr>
           </a:p>
-        </p:txBody>
-      </p:sp>
-      <p:pic>
-        <p:nvPicPr>
-          <p:cNvPr id="4" name="圖片 3"/>
-          <p:cNvPicPr>
-            <a:picLocks noChangeAspect="1"/>
-          </p:cNvPicPr>
-          <p:nvPr/>
-        </p:nvPicPr>
-        <p:blipFill>
-          <a:blip r:embed="rId2"/>
-          <a:stretch>
-            <a:fillRect/>
-          </a:stretch>
-        </p:blipFill>
-        <p:spPr>
-          <a:xfrm>
-            <a:off x="5636079" y="2325262"/>
-            <a:ext cx="3200400" cy="3333750"/>
-          </a:xfrm>
-          <a:prstGeom prst="rect">
-            <a:avLst/>
-          </a:prstGeom>
-        </p:spPr>
-      </p:pic>
+          <a:p>
+            <a:pPr lvl="2"/>
+            <a:r>
+              <a:rPr lang="en-US" altLang="zh-TW" dirty="0" smtClean="0">
+                <a:latin typeface="Times New Roman" panose="02020603050405020304" pitchFamily="18" charset="0"/>
+                <a:cs typeface="Times New Roman" panose="02020603050405020304" pitchFamily="18" charset="0"/>
+              </a:rPr>
+              <a:t>      .</a:t>
+            </a:r>
+            <a:r>
+              <a:rPr lang="en-US" altLang="zh-TW" dirty="0" err="1" smtClean="0">
+                <a:latin typeface="Times New Roman" panose="02020603050405020304" pitchFamily="18" charset="0"/>
+                <a:cs typeface="Times New Roman" panose="02020603050405020304" pitchFamily="18" charset="0"/>
+              </a:rPr>
+              <a:t>rx_st_data</a:t>
+            </a:r>
+            <a:r>
+              <a:rPr lang="en-US" altLang="zh-TW" dirty="0" smtClean="0">
+                <a:latin typeface="Times New Roman" panose="02020603050405020304" pitchFamily="18" charset="0"/>
+                <a:cs typeface="Times New Roman" panose="02020603050405020304" pitchFamily="18" charset="0"/>
+              </a:rPr>
+              <a:t> (</a:t>
+            </a:r>
+            <a:r>
+              <a:rPr lang="en-US" altLang="zh-TW" dirty="0" err="1" smtClean="0">
+                <a:latin typeface="Times New Roman" panose="02020603050405020304" pitchFamily="18" charset="0"/>
+                <a:cs typeface="Times New Roman" panose="02020603050405020304" pitchFamily="18" charset="0"/>
+              </a:rPr>
+              <a:t>rx_st_data</a:t>
+            </a:r>
+            <a:r>
+              <a:rPr lang="en-US" altLang="zh-TW" dirty="0" smtClean="0">
+                <a:latin typeface="Times New Roman" panose="02020603050405020304" pitchFamily="18" charset="0"/>
+                <a:cs typeface="Times New Roman" panose="02020603050405020304" pitchFamily="18" charset="0"/>
+              </a:rPr>
+              <a:t>[</a:t>
+            </a:r>
+            <a:r>
+              <a:rPr lang="en-US" altLang="zh-TW" b="1" dirty="0" smtClean="0">
+                <a:latin typeface="Times New Roman" panose="02020603050405020304" pitchFamily="18" charset="0"/>
+                <a:cs typeface="Times New Roman" panose="02020603050405020304" pitchFamily="18" charset="0"/>
+              </a:rPr>
+              <a:t>C_PCI_DATA_WIDTH</a:t>
+            </a:r>
+            <a:r>
+              <a:rPr lang="en-US" altLang="zh-TW" dirty="0" smtClean="0">
+                <a:latin typeface="Times New Roman" panose="02020603050405020304" pitchFamily="18" charset="0"/>
+                <a:cs typeface="Times New Roman" panose="02020603050405020304" pitchFamily="18" charset="0"/>
+              </a:rPr>
+              <a:t>-1:0]),</a:t>
+            </a:r>
+          </a:p>
+          <a:p>
+            <a:pPr lvl="2"/>
+            <a:r>
+              <a:rPr lang="en-US" altLang="zh-TW" dirty="0" smtClean="0">
+                <a:latin typeface="Times New Roman" panose="02020603050405020304" pitchFamily="18" charset="0"/>
+                <a:cs typeface="Times New Roman" panose="02020603050405020304" pitchFamily="18" charset="0"/>
+              </a:rPr>
+              <a:t>      .</a:t>
+            </a:r>
+            <a:r>
+              <a:rPr lang="en-US" altLang="zh-TW" dirty="0" err="1" smtClean="0">
+                <a:latin typeface="Times New Roman" panose="02020603050405020304" pitchFamily="18" charset="0"/>
+                <a:cs typeface="Times New Roman" panose="02020603050405020304" pitchFamily="18" charset="0"/>
+              </a:rPr>
+              <a:t>tx_st_data</a:t>
+            </a:r>
+            <a:r>
+              <a:rPr lang="en-US" altLang="zh-TW" dirty="0" smtClean="0">
+                <a:latin typeface="Times New Roman" panose="02020603050405020304" pitchFamily="18" charset="0"/>
+                <a:cs typeface="Times New Roman" panose="02020603050405020304" pitchFamily="18" charset="0"/>
+              </a:rPr>
+              <a:t> (</a:t>
+            </a:r>
+            <a:r>
+              <a:rPr lang="en-US" altLang="zh-TW" dirty="0" err="1" smtClean="0">
+                <a:latin typeface="Times New Roman" panose="02020603050405020304" pitchFamily="18" charset="0"/>
+                <a:cs typeface="Times New Roman" panose="02020603050405020304" pitchFamily="18" charset="0"/>
+              </a:rPr>
+              <a:t>tx_st_data</a:t>
+            </a:r>
+            <a:r>
+              <a:rPr lang="en-US" altLang="zh-TW" dirty="0" smtClean="0">
+                <a:latin typeface="Times New Roman" panose="02020603050405020304" pitchFamily="18" charset="0"/>
+                <a:cs typeface="Times New Roman" panose="02020603050405020304" pitchFamily="18" charset="0"/>
+              </a:rPr>
+              <a:t>[</a:t>
+            </a:r>
+            <a:r>
+              <a:rPr lang="en-US" altLang="zh-TW" b="1" dirty="0" smtClean="0">
+                <a:latin typeface="Times New Roman" panose="02020603050405020304" pitchFamily="18" charset="0"/>
+                <a:cs typeface="Times New Roman" panose="02020603050405020304" pitchFamily="18" charset="0"/>
+              </a:rPr>
+              <a:t>C_PCI_DATA_WIDTH</a:t>
+            </a:r>
+            <a:r>
+              <a:rPr lang="en-US" altLang="zh-TW" dirty="0" smtClean="0">
+                <a:latin typeface="Times New Roman" panose="02020603050405020304" pitchFamily="18" charset="0"/>
+                <a:cs typeface="Times New Roman" panose="02020603050405020304" pitchFamily="18" charset="0"/>
+              </a:rPr>
+              <a:t>-1:0]),</a:t>
+            </a:r>
+          </a:p>
+          <a:p>
+            <a:pPr lvl="1"/>
+            <a:endParaRPr lang="en-US" altLang="zh-TW" i="1" dirty="0" smtClean="0"/>
+          </a:p>
+          <a:p>
+            <a:endParaRPr lang="zh-TW" altLang="en-US" dirty="0"/>
+          </a:p>
+        </p:txBody>
+      </p:sp>
     </p:spTree>
     <p:extLst>
       <p:ext uri="{BB962C8B-B14F-4D97-AF65-F5344CB8AC3E}">
-        <p14:creationId xmlns:p14="http://schemas.microsoft.com/office/powerpoint/2010/main" val="1390497911"/>
+        <p14:creationId xmlns:p14="http://schemas.microsoft.com/office/powerpoint/2010/main" val="1937570737"/>
       </p:ext>
     </p:extLst>
   </p:cSld>
@@ -13851,17 +13719,19 @@
           <a:lstStyle/>
           <a:p>
             <a:r>
-              <a:rPr lang="en-US" altLang="zh-TW" dirty="0" smtClean="0">
-                <a:latin typeface="Noto Sans" panose="020B0502040504020204" pitchFamily="34" charset="0"/>
+              <a:rPr lang="en-US" altLang="zh-TW" dirty="0">
+                <a:latin typeface="Times New Roman" panose="02020603050405020304" pitchFamily="18" charset="0"/>
+                <a:cs typeface="Times New Roman" panose="02020603050405020304" pitchFamily="18" charset="0"/>
               </a:rPr>
               <a:t>Changing </a:t>
             </a:r>
             <a:r>
-              <a:rPr lang="en-US" altLang="zh-TW" dirty="0" smtClean="0">
+              <a:rPr lang="en-US" altLang="zh-TW" dirty="0">
                 <a:solidFill>
                   <a:srgbClr val="FF0000"/>
                 </a:solidFill>
-                <a:latin typeface="Noto Sans" panose="020B0502040504020204" pitchFamily="34" charset="0"/>
+                <a:latin typeface="Times New Roman" panose="02020603050405020304" pitchFamily="18" charset="0"/>
+                <a:cs typeface="Times New Roman" panose="02020603050405020304" pitchFamily="18" charset="0"/>
               </a:rPr>
               <a:t>number of lanes</a:t>
             </a:r>
@@ -13869,7 +13739,8 @@
               <a:solidFill>
                 <a:srgbClr val="FF0000"/>
               </a:solidFill>
-              <a:latin typeface="Noto Sans" panose="020B0502040504020204" pitchFamily="34" charset="0"/>
+              <a:latin typeface="Times New Roman" panose="02020603050405020304" pitchFamily="18" charset="0"/>
+              <a:cs typeface="Times New Roman" panose="02020603050405020304" pitchFamily="18" charset="0"/>
             </a:endParaRPr>
           </a:p>
         </p:txBody>
@@ -13890,385 +13761,256 @@
           <a:lstStyle/>
           <a:p>
             <a:r>
-              <a:rPr lang="en-US" altLang="zh-TW" dirty="0"/>
+              <a:rPr lang="en-US" altLang="zh-TW" dirty="0">
+                <a:latin typeface="Times New Roman" panose="02020603050405020304" pitchFamily="18" charset="0"/>
+                <a:cs typeface="Times New Roman" panose="02020603050405020304" pitchFamily="18" charset="0"/>
+              </a:rPr>
               <a:t>Go to </a:t>
             </a:r>
             <a:r>
-              <a:rPr lang="en-US" altLang="zh-TW" b="1" dirty="0" err="1" smtClean="0">
-                <a:latin typeface="Noto Sans" panose="020B0502040504020204" pitchFamily="34" charset="0"/>
+              <a:rPr lang="en-US" altLang="zh-TW" b="1" dirty="0" err="1">
+                <a:latin typeface="Times New Roman" panose="02020603050405020304" pitchFamily="18" charset="0"/>
+                <a:cs typeface="Times New Roman" panose="02020603050405020304" pitchFamily="18" charset="0"/>
               </a:rPr>
               <a:t>DE#Gen#x#lf</a:t>
             </a:r>
             <a:r>
-              <a:rPr lang="en-US" altLang="zh-TW" b="1" dirty="0" smtClean="0">
-                <a:latin typeface="Noto Sans" panose="020B0502040504020204" pitchFamily="34" charset="0"/>
+              <a:rPr lang="en-US" altLang="zh-TW" b="1" dirty="0">
+                <a:latin typeface="Times New Roman" panose="02020603050405020304" pitchFamily="18" charset="0"/>
+                <a:cs typeface="Times New Roman" panose="02020603050405020304" pitchFamily="18" charset="0"/>
               </a:rPr>
               <a:t>###.v</a:t>
             </a:r>
-            <a:endParaRPr lang="en-US" altLang="zh-TW" b="1" dirty="0">
-              <a:latin typeface="Noto Sans" panose="020B0502040504020204" pitchFamily="34" charset="0"/>
+          </a:p>
+          <a:p>
+            <a:pPr lvl="1"/>
+            <a:r>
+              <a:rPr lang="en-US" altLang="zh-TW" dirty="0">
+                <a:latin typeface="Times New Roman" panose="02020603050405020304" pitchFamily="18" charset="0"/>
+                <a:cs typeface="Times New Roman" panose="02020603050405020304" pitchFamily="18" charset="0"/>
+              </a:rPr>
+              <a:t>Change parameter </a:t>
+            </a:r>
+            <a:r>
+              <a:rPr lang="en-US" altLang="zh-TW" i="1" dirty="0">
+                <a:latin typeface="Times New Roman" panose="02020603050405020304" pitchFamily="18" charset="0"/>
+                <a:cs typeface="Times New Roman" panose="02020603050405020304" pitchFamily="18" charset="0"/>
+              </a:rPr>
+              <a:t>C_NUM_LANES</a:t>
+            </a:r>
+            <a:r>
+              <a:rPr lang="en-US" altLang="zh-TW" dirty="0">
+                <a:latin typeface="Times New Roman" panose="02020603050405020304" pitchFamily="18" charset="0"/>
+                <a:cs typeface="Times New Roman" panose="02020603050405020304" pitchFamily="18" charset="0"/>
+              </a:rPr>
+              <a:t> to </a:t>
+            </a:r>
+            <a:r>
+              <a:rPr lang="en-US" altLang="zh-TW" i="1" dirty="0">
+                <a:latin typeface="Times New Roman" panose="02020603050405020304" pitchFamily="18" charset="0"/>
+                <a:cs typeface="Times New Roman" panose="02020603050405020304" pitchFamily="18" charset="0"/>
+              </a:rPr>
+              <a:t>number of lanes</a:t>
+            </a:r>
+          </a:p>
+          <a:p>
+            <a:pPr lvl="1"/>
+            <a:r>
+              <a:rPr lang="en-US" altLang="zh-TW" dirty="0">
+                <a:latin typeface="Times New Roman" panose="02020603050405020304" pitchFamily="18" charset="0"/>
+                <a:cs typeface="Times New Roman" panose="02020603050405020304" pitchFamily="18" charset="0"/>
+              </a:rPr>
+              <a:t>For IP </a:t>
+            </a:r>
+            <a:r>
+              <a:rPr lang="en-US" altLang="zh-TW" dirty="0" err="1">
+                <a:latin typeface="Times New Roman" panose="02020603050405020304" pitchFamily="18" charset="0"/>
+                <a:cs typeface="Times New Roman" panose="02020603050405020304" pitchFamily="18" charset="0"/>
+              </a:rPr>
+              <a:t>QSysDE#Gen#x#If</a:t>
+            </a:r>
+            <a:r>
+              <a:rPr lang="en-US" altLang="zh-TW" dirty="0">
+                <a:latin typeface="Times New Roman" panose="02020603050405020304" pitchFamily="18" charset="0"/>
+                <a:cs typeface="Times New Roman" panose="02020603050405020304" pitchFamily="18" charset="0"/>
+              </a:rPr>
+              <a:t>### </a:t>
+            </a:r>
+            <a:r>
+              <a:rPr lang="en-US" altLang="zh-TW" i="1" dirty="0" err="1">
+                <a:latin typeface="Times New Roman" panose="02020603050405020304" pitchFamily="18" charset="0"/>
+                <a:cs typeface="Times New Roman" panose="02020603050405020304" pitchFamily="18" charset="0"/>
+              </a:rPr>
+              <a:t>pcie_system_inst</a:t>
+            </a:r>
+            <a:endParaRPr lang="en-US" altLang="zh-TW" i="1" dirty="0">
+              <a:latin typeface="Times New Roman" panose="02020603050405020304" pitchFamily="18" charset="0"/>
+              <a:cs typeface="Times New Roman" panose="02020603050405020304" pitchFamily="18" charset="0"/>
             </a:endParaRPr>
           </a:p>
           <a:p>
+            <a:pPr lvl="2"/>
+            <a:r>
+              <a:rPr lang="en-US" altLang="zh-TW" dirty="0">
+                <a:latin typeface="Times New Roman" panose="02020603050405020304" pitchFamily="18" charset="0"/>
+                <a:cs typeface="Times New Roman" panose="02020603050405020304" pitchFamily="18" charset="0"/>
+              </a:rPr>
+              <a:t>      .pcieserial_tx_out0 (PCIE_TX_OUT[0]),</a:t>
+            </a:r>
+          </a:p>
+          <a:p>
+            <a:pPr lvl="2"/>
+            <a:r>
+              <a:rPr lang="en-US" altLang="zh-TW" dirty="0">
+                <a:latin typeface="Times New Roman" panose="02020603050405020304" pitchFamily="18" charset="0"/>
+                <a:cs typeface="Times New Roman" panose="02020603050405020304" pitchFamily="18" charset="0"/>
+              </a:rPr>
+              <a:t>      .pcieserial_tx_out1 (PCIE_TX_OUT[1]),</a:t>
+            </a:r>
+          </a:p>
+          <a:p>
+            <a:pPr lvl="2"/>
+            <a:r>
+              <a:rPr lang="en-US" altLang="zh-TW" dirty="0">
+                <a:latin typeface="Times New Roman" panose="02020603050405020304" pitchFamily="18" charset="0"/>
+                <a:cs typeface="Times New Roman" panose="02020603050405020304" pitchFamily="18" charset="0"/>
+              </a:rPr>
+              <a:t>      ...</a:t>
+            </a:r>
+          </a:p>
+          <a:p>
+            <a:pPr lvl="2"/>
+            <a:r>
+              <a:rPr lang="en-US" altLang="zh-TW" dirty="0">
+                <a:latin typeface="Times New Roman" panose="02020603050405020304" pitchFamily="18" charset="0"/>
+                <a:cs typeface="Times New Roman" panose="02020603050405020304" pitchFamily="18" charset="0"/>
+              </a:rPr>
+              <a:t>      .</a:t>
+            </a:r>
+            <a:r>
+              <a:rPr lang="en-US" altLang="zh-TW" dirty="0" err="1">
+                <a:latin typeface="Times New Roman" panose="02020603050405020304" pitchFamily="18" charset="0"/>
+                <a:cs typeface="Times New Roman" panose="02020603050405020304" pitchFamily="18" charset="0"/>
+              </a:rPr>
+              <a:t>pcieserial_tx_out</a:t>
+            </a:r>
+            <a:r>
+              <a:rPr lang="en-US" altLang="zh-TW" dirty="0">
+                <a:latin typeface="Times New Roman" panose="02020603050405020304" pitchFamily="18" charset="0"/>
+                <a:cs typeface="Times New Roman" panose="02020603050405020304" pitchFamily="18" charset="0"/>
+              </a:rPr>
+              <a:t># (PCIE_TX_OUT[#]),</a:t>
+            </a:r>
+          </a:p>
+          <a:p>
             <a:pPr lvl="1"/>
             <a:r>
-              <a:rPr lang="en-US" altLang="zh-TW" dirty="0" smtClean="0">
-                <a:latin typeface="Noto Sans" panose="020B0502040504020204" pitchFamily="34" charset="0"/>
-              </a:rPr>
-              <a:t>Change parameter </a:t>
-            </a:r>
-            <a:r>
-              <a:rPr lang="en-US" altLang="zh-TW" i="1" dirty="0">
-                <a:latin typeface="Noto Sans" panose="020B0502040504020204" pitchFamily="34" charset="0"/>
-              </a:rPr>
-              <a:t>C_NUM_LANES</a:t>
-            </a:r>
-            <a:r>
               <a:rPr lang="en-US" altLang="zh-TW" dirty="0">
-                <a:latin typeface="Noto Sans" panose="020B0502040504020204" pitchFamily="34" charset="0"/>
-              </a:rPr>
-              <a:t> </a:t>
-            </a:r>
-            <a:r>
-              <a:rPr lang="en-US" altLang="zh-TW" dirty="0" smtClean="0">
-                <a:latin typeface="Noto Sans" panose="020B0502040504020204" pitchFamily="34" charset="0"/>
-              </a:rPr>
-              <a:t>to </a:t>
-            </a:r>
-            <a:r>
-              <a:rPr lang="en-US" altLang="zh-TW" i="1" dirty="0" smtClean="0">
-                <a:latin typeface="Noto Sans" panose="020B0502040504020204" pitchFamily="34" charset="0"/>
-              </a:rPr>
-              <a:t>number of lanes</a:t>
+                <a:latin typeface="Times New Roman" panose="02020603050405020304" pitchFamily="18" charset="0"/>
+                <a:cs typeface="Times New Roman" panose="02020603050405020304" pitchFamily="18" charset="0"/>
+              </a:rPr>
+              <a:t>AND</a:t>
+            </a:r>
+          </a:p>
+          <a:p>
+            <a:pPr lvl="2"/>
+            <a:r>
+              <a:rPr lang="en-US" altLang="zh-TW" dirty="0">
+                <a:latin typeface="Times New Roman" panose="02020603050405020304" pitchFamily="18" charset="0"/>
+                <a:cs typeface="Times New Roman" panose="02020603050405020304" pitchFamily="18" charset="0"/>
+              </a:rPr>
+              <a:t>      .pcieserial_rx_in0  (PCIE_RX_IN[0]),</a:t>
+            </a:r>
+          </a:p>
+          <a:p>
+            <a:pPr lvl="2"/>
+            <a:r>
+              <a:rPr lang="en-US" altLang="zh-TW" dirty="0">
+                <a:latin typeface="Times New Roman" panose="02020603050405020304" pitchFamily="18" charset="0"/>
+                <a:cs typeface="Times New Roman" panose="02020603050405020304" pitchFamily="18" charset="0"/>
+              </a:rPr>
+              <a:t>      .pcieserial_rx_in1  (PCIE_RX_IN[1]),</a:t>
+            </a:r>
+          </a:p>
+          <a:p>
+            <a:pPr lvl="2"/>
+            <a:r>
+              <a:rPr lang="en-US" altLang="zh-TW" dirty="0">
+                <a:latin typeface="Times New Roman" panose="02020603050405020304" pitchFamily="18" charset="0"/>
+                <a:cs typeface="Times New Roman" panose="02020603050405020304" pitchFamily="18" charset="0"/>
+              </a:rPr>
+              <a:t>      ...</a:t>
+            </a:r>
+          </a:p>
+          <a:p>
+            <a:pPr lvl="2"/>
+            <a:r>
+              <a:rPr lang="en-US" altLang="zh-TW" dirty="0">
+                <a:latin typeface="Times New Roman" panose="02020603050405020304" pitchFamily="18" charset="0"/>
+                <a:cs typeface="Times New Roman" panose="02020603050405020304" pitchFamily="18" charset="0"/>
+              </a:rPr>
+              <a:t>      .</a:t>
+            </a:r>
+            <a:r>
+              <a:rPr lang="en-US" altLang="zh-TW" dirty="0" err="1">
+                <a:latin typeface="Times New Roman" panose="02020603050405020304" pitchFamily="18" charset="0"/>
+                <a:cs typeface="Times New Roman" panose="02020603050405020304" pitchFamily="18" charset="0"/>
+              </a:rPr>
+              <a:t>pcieserial_rx_in</a:t>
+            </a:r>
+            <a:r>
+              <a:rPr lang="en-US" altLang="zh-TW" dirty="0">
+                <a:latin typeface="Times New Roman" panose="02020603050405020304" pitchFamily="18" charset="0"/>
+                <a:cs typeface="Times New Roman" panose="02020603050405020304" pitchFamily="18" charset="0"/>
+              </a:rPr>
+              <a:t>#  (PCIE_RX_IN[#]),</a:t>
+            </a:r>
+          </a:p>
+          <a:p>
+            <a:pPr lvl="3"/>
+            <a:r>
+              <a:rPr lang="en-US" altLang="zh-TW" dirty="0">
+                <a:latin typeface="Times New Roman" panose="02020603050405020304" pitchFamily="18" charset="0"/>
+                <a:cs typeface="Times New Roman" panose="02020603050405020304" pitchFamily="18" charset="0"/>
+              </a:rPr>
+              <a:t># = C_NUM_LANES - 1</a:t>
+            </a:r>
+          </a:p>
+          <a:p>
+            <a:r>
+              <a:rPr lang="en-US" altLang="zh-TW" dirty="0">
+                <a:latin typeface="Times New Roman" panose="02020603050405020304" pitchFamily="18" charset="0"/>
+                <a:cs typeface="Times New Roman" panose="02020603050405020304" pitchFamily="18" charset="0"/>
+              </a:rPr>
+              <a:t>Go to assignment editor</a:t>
             </a:r>
           </a:p>
           <a:p>
             <a:pPr lvl="1"/>
             <a:r>
               <a:rPr lang="en-US" altLang="zh-TW" dirty="0">
-                <a:latin typeface="Noto Sans" panose="020B0502040504020204" pitchFamily="34" charset="0"/>
-              </a:rPr>
-              <a:t>For IP </a:t>
-            </a:r>
-            <a:r>
-              <a:rPr lang="en-US" altLang="zh-TW" dirty="0" err="1" smtClean="0">
-                <a:latin typeface="Noto Sans" panose="020B0502040504020204" pitchFamily="34" charset="0"/>
-              </a:rPr>
-              <a:t>QSysDE#Gen#x#If</a:t>
-            </a:r>
-            <a:r>
-              <a:rPr lang="en-US" altLang="zh-TW" dirty="0" smtClean="0">
-                <a:latin typeface="Noto Sans" panose="020B0502040504020204" pitchFamily="34" charset="0"/>
-              </a:rPr>
-              <a:t>### </a:t>
-            </a:r>
-            <a:r>
-              <a:rPr lang="en-US" altLang="zh-TW" i="1" dirty="0" err="1">
-                <a:latin typeface="Noto Sans" panose="020B0502040504020204" pitchFamily="34" charset="0"/>
-              </a:rPr>
-              <a:t>pcie_system_inst</a:t>
-            </a:r>
-            <a:endParaRPr lang="en-US" altLang="zh-TW" i="1" dirty="0">
-              <a:latin typeface="Noto Sans" panose="020B0502040504020204" pitchFamily="34" charset="0"/>
+                <a:latin typeface="Times New Roman" panose="02020603050405020304" pitchFamily="18" charset="0"/>
+                <a:cs typeface="Times New Roman" panose="02020603050405020304" pitchFamily="18" charset="0"/>
+              </a:rPr>
+              <a:t>Add PCIE_RX_IN[#], PCIE_RX_IN[#](n), </a:t>
+            </a:r>
+            <a:br>
+              <a:rPr lang="en-US" altLang="zh-TW" dirty="0">
+                <a:latin typeface="Times New Roman" panose="02020603050405020304" pitchFamily="18" charset="0"/>
+                <a:cs typeface="Times New Roman" panose="02020603050405020304" pitchFamily="18" charset="0"/>
+              </a:rPr>
+            </a:br>
+            <a:r>
+              <a:rPr lang="en-US" altLang="zh-TW" dirty="0">
+                <a:latin typeface="Times New Roman" panose="02020603050405020304" pitchFamily="18" charset="0"/>
+                <a:cs typeface="Times New Roman" panose="02020603050405020304" pitchFamily="18" charset="0"/>
+              </a:rPr>
+              <a:t>        PCIE_TX_OUT[#], PCIE_TX_OUT[#](n),</a:t>
+            </a:r>
+            <a:endParaRPr lang="en-US" altLang="zh-TW" dirty="0">
+              <a:latin typeface="Times New Roman" panose="02020603050405020304" pitchFamily="18" charset="0"/>
+              <a:cs typeface="Times New Roman" panose="02020603050405020304" pitchFamily="18" charset="0"/>
             </a:endParaRPr>
-          </a:p>
-          <a:p>
-            <a:pPr lvl="2"/>
-            <a:r>
-              <a:rPr lang="en-US" altLang="zh-TW" dirty="0">
-                <a:latin typeface="Consolas" panose="020B0609020204030204" pitchFamily="49" charset="0"/>
-              </a:rPr>
-              <a:t>      .pcieserial_tx_out0 </a:t>
-            </a:r>
-            <a:r>
-              <a:rPr lang="en-US" altLang="zh-TW" dirty="0" smtClean="0">
-                <a:latin typeface="Consolas" panose="020B0609020204030204" pitchFamily="49" charset="0"/>
-              </a:rPr>
-              <a:t>(</a:t>
-            </a:r>
-            <a:r>
-              <a:rPr lang="en-US" altLang="zh-TW" dirty="0">
-                <a:latin typeface="Consolas" panose="020B0609020204030204" pitchFamily="49" charset="0"/>
-              </a:rPr>
-              <a:t>PCIE_TX_OUT[0]),</a:t>
-            </a:r>
-          </a:p>
-          <a:p>
-            <a:pPr lvl="2"/>
-            <a:r>
-              <a:rPr lang="en-US" altLang="zh-TW" dirty="0" smtClean="0">
-                <a:latin typeface="Consolas" panose="020B0609020204030204" pitchFamily="49" charset="0"/>
-              </a:rPr>
-              <a:t>      </a:t>
-            </a:r>
-            <a:r>
-              <a:rPr lang="en-US" altLang="zh-TW" dirty="0">
-                <a:latin typeface="Consolas" panose="020B0609020204030204" pitchFamily="49" charset="0"/>
-              </a:rPr>
-              <a:t>.pcieserial_tx_out1 </a:t>
-            </a:r>
-            <a:r>
-              <a:rPr lang="en-US" altLang="zh-TW" dirty="0" smtClean="0">
-                <a:latin typeface="Consolas" panose="020B0609020204030204" pitchFamily="49" charset="0"/>
-              </a:rPr>
-              <a:t>(</a:t>
-            </a:r>
-            <a:r>
-              <a:rPr lang="en-US" altLang="zh-TW" dirty="0">
-                <a:latin typeface="Consolas" panose="020B0609020204030204" pitchFamily="49" charset="0"/>
-              </a:rPr>
-              <a:t>PCIE_TX_OUT[1</a:t>
-            </a:r>
-            <a:r>
-              <a:rPr lang="en-US" altLang="zh-TW" dirty="0" smtClean="0">
-                <a:latin typeface="Consolas" panose="020B0609020204030204" pitchFamily="49" charset="0"/>
-              </a:rPr>
-              <a:t>]),</a:t>
-            </a:r>
-          </a:p>
-          <a:p>
-            <a:pPr lvl="2"/>
-            <a:r>
-              <a:rPr lang="en-US" altLang="zh-TW" dirty="0">
-                <a:latin typeface="Consolas" panose="020B0609020204030204" pitchFamily="49" charset="0"/>
-              </a:rPr>
-              <a:t> </a:t>
-            </a:r>
-            <a:r>
-              <a:rPr lang="en-US" altLang="zh-TW" dirty="0" smtClean="0">
-                <a:latin typeface="Consolas" panose="020B0609020204030204" pitchFamily="49" charset="0"/>
-              </a:rPr>
-              <a:t>     ...</a:t>
-            </a:r>
-          </a:p>
-          <a:p>
-            <a:pPr lvl="2"/>
-            <a:r>
-              <a:rPr lang="en-US" altLang="zh-TW" dirty="0" smtClean="0">
-                <a:latin typeface="Consolas" panose="020B0609020204030204" pitchFamily="49" charset="0"/>
-              </a:rPr>
-              <a:t>      </a:t>
-            </a:r>
-            <a:r>
-              <a:rPr lang="en-US" altLang="zh-TW" dirty="0">
-                <a:latin typeface="Consolas" panose="020B0609020204030204" pitchFamily="49" charset="0"/>
-              </a:rPr>
-              <a:t>.</a:t>
-            </a:r>
-            <a:r>
-              <a:rPr lang="en-US" altLang="zh-TW" dirty="0" err="1" smtClean="0">
-                <a:latin typeface="Consolas" panose="020B0609020204030204" pitchFamily="49" charset="0"/>
-              </a:rPr>
-              <a:t>pcieserial_tx_out</a:t>
-            </a:r>
-            <a:r>
-              <a:rPr lang="en-US" altLang="zh-TW" dirty="0" smtClean="0">
-                <a:latin typeface="Consolas" panose="020B0609020204030204" pitchFamily="49" charset="0"/>
-              </a:rPr>
-              <a:t># (</a:t>
-            </a:r>
-            <a:r>
-              <a:rPr lang="en-US" altLang="zh-TW" dirty="0">
-                <a:latin typeface="Consolas" panose="020B0609020204030204" pitchFamily="49" charset="0"/>
-              </a:rPr>
-              <a:t>PCIE_TX_OUT</a:t>
-            </a:r>
-            <a:r>
-              <a:rPr lang="en-US" altLang="zh-TW" dirty="0" smtClean="0">
-                <a:latin typeface="Consolas" panose="020B0609020204030204" pitchFamily="49" charset="0"/>
-              </a:rPr>
-              <a:t>[#]),</a:t>
-            </a:r>
-          </a:p>
-          <a:p>
-            <a:pPr lvl="1"/>
-            <a:r>
-              <a:rPr lang="en-US" altLang="zh-TW" dirty="0" smtClean="0">
-                <a:latin typeface="Noto Sans" panose="020B0502040504020204" pitchFamily="34" charset="0"/>
-              </a:rPr>
-              <a:t>AND</a:t>
-            </a:r>
-            <a:endParaRPr lang="en-US" altLang="zh-TW" dirty="0">
-              <a:latin typeface="Noto Sans" panose="020B0502040504020204" pitchFamily="34" charset="0"/>
-            </a:endParaRPr>
-          </a:p>
-          <a:p>
-            <a:pPr lvl="2"/>
-            <a:r>
-              <a:rPr lang="en-US" altLang="zh-TW" dirty="0">
-                <a:latin typeface="Consolas" panose="020B0609020204030204" pitchFamily="49" charset="0"/>
-              </a:rPr>
-              <a:t>      .pcieserial_rx_in0 </a:t>
-            </a:r>
-            <a:r>
-              <a:rPr lang="en-US" altLang="zh-TW" dirty="0" smtClean="0">
-                <a:latin typeface="Consolas" panose="020B0609020204030204" pitchFamily="49" charset="0"/>
-              </a:rPr>
-              <a:t> (</a:t>
-            </a:r>
-            <a:r>
-              <a:rPr lang="en-US" altLang="zh-TW" dirty="0">
-                <a:latin typeface="Consolas" panose="020B0609020204030204" pitchFamily="49" charset="0"/>
-              </a:rPr>
-              <a:t>PCIE_RX_IN[0]),</a:t>
-            </a:r>
-          </a:p>
-          <a:p>
-            <a:pPr lvl="2"/>
-            <a:r>
-              <a:rPr lang="en-US" altLang="zh-TW" dirty="0" smtClean="0">
-                <a:latin typeface="Consolas" panose="020B0609020204030204" pitchFamily="49" charset="0"/>
-              </a:rPr>
-              <a:t>      </a:t>
-            </a:r>
-            <a:r>
-              <a:rPr lang="en-US" altLang="zh-TW" dirty="0">
-                <a:latin typeface="Consolas" panose="020B0609020204030204" pitchFamily="49" charset="0"/>
-              </a:rPr>
-              <a:t>.pcieserial_rx_in1 </a:t>
-            </a:r>
-            <a:r>
-              <a:rPr lang="en-US" altLang="zh-TW" dirty="0" smtClean="0">
-                <a:latin typeface="Consolas" panose="020B0609020204030204" pitchFamily="49" charset="0"/>
-              </a:rPr>
-              <a:t> (</a:t>
-            </a:r>
-            <a:r>
-              <a:rPr lang="en-US" altLang="zh-TW" dirty="0">
-                <a:latin typeface="Consolas" panose="020B0609020204030204" pitchFamily="49" charset="0"/>
-              </a:rPr>
-              <a:t>PCIE_RX_IN[1</a:t>
-            </a:r>
-            <a:r>
-              <a:rPr lang="en-US" altLang="zh-TW" dirty="0" smtClean="0">
-                <a:latin typeface="Consolas" panose="020B0609020204030204" pitchFamily="49" charset="0"/>
-              </a:rPr>
-              <a:t>]),</a:t>
-            </a:r>
-            <a:endParaRPr lang="en-US" altLang="zh-TW" dirty="0">
-              <a:latin typeface="Consolas" panose="020B0609020204030204" pitchFamily="49" charset="0"/>
-            </a:endParaRPr>
-          </a:p>
-          <a:p>
-            <a:pPr lvl="2"/>
-            <a:r>
-              <a:rPr lang="en-US" altLang="zh-TW" dirty="0">
-                <a:latin typeface="Consolas" panose="020B0609020204030204" pitchFamily="49" charset="0"/>
-              </a:rPr>
-              <a:t>      ...</a:t>
-            </a:r>
-          </a:p>
-          <a:p>
-            <a:pPr lvl="2"/>
-            <a:r>
-              <a:rPr lang="en-US" altLang="zh-TW" dirty="0" smtClean="0">
-                <a:latin typeface="Consolas" panose="020B0609020204030204" pitchFamily="49" charset="0"/>
-              </a:rPr>
-              <a:t>      </a:t>
-            </a:r>
-            <a:r>
-              <a:rPr lang="en-US" altLang="zh-TW" dirty="0">
-                <a:latin typeface="Consolas" panose="020B0609020204030204" pitchFamily="49" charset="0"/>
-              </a:rPr>
-              <a:t>.</a:t>
-            </a:r>
-            <a:r>
-              <a:rPr lang="en-US" altLang="zh-TW" dirty="0" err="1" smtClean="0">
-                <a:latin typeface="Consolas" panose="020B0609020204030204" pitchFamily="49" charset="0"/>
-              </a:rPr>
-              <a:t>pcieserial_rx_in</a:t>
-            </a:r>
-            <a:r>
-              <a:rPr lang="en-US" altLang="zh-TW" dirty="0" smtClean="0">
-                <a:latin typeface="Consolas" panose="020B0609020204030204" pitchFamily="49" charset="0"/>
-              </a:rPr>
-              <a:t>#  (</a:t>
-            </a:r>
-            <a:r>
-              <a:rPr lang="en-US" altLang="zh-TW" dirty="0">
-                <a:latin typeface="Consolas" panose="020B0609020204030204" pitchFamily="49" charset="0"/>
-              </a:rPr>
-              <a:t>PCIE_RX_IN</a:t>
-            </a:r>
-            <a:r>
-              <a:rPr lang="en-US" altLang="zh-TW" dirty="0" smtClean="0">
-                <a:latin typeface="Consolas" panose="020B0609020204030204" pitchFamily="49" charset="0"/>
-              </a:rPr>
-              <a:t>[#]),</a:t>
-            </a:r>
-          </a:p>
-          <a:p>
-            <a:pPr lvl="3"/>
-            <a:r>
-              <a:rPr lang="en-US" altLang="zh-TW" dirty="0" smtClean="0">
-                <a:latin typeface="Noto Sans" panose="020B0502040504020204" pitchFamily="34" charset="0"/>
-              </a:rPr>
-              <a:t># = C_NUM_LANES - 1</a:t>
-            </a:r>
-          </a:p>
-          <a:p>
-            <a:r>
-              <a:rPr lang="en-US" altLang="zh-TW" dirty="0">
-                <a:latin typeface="Noto Sans" panose="020B0502040504020204" pitchFamily="34" charset="0"/>
-              </a:rPr>
-              <a:t>Go to assignment </a:t>
-            </a:r>
-            <a:r>
-              <a:rPr lang="en-US" altLang="zh-TW" dirty="0" smtClean="0">
-                <a:latin typeface="Noto Sans" panose="020B0502040504020204" pitchFamily="34" charset="0"/>
-              </a:rPr>
-              <a:t>editor</a:t>
-            </a:r>
-          </a:p>
-          <a:p>
-            <a:pPr lvl="1"/>
-            <a:r>
-              <a:rPr lang="en-US" altLang="zh-TW" dirty="0" smtClean="0">
-                <a:latin typeface="Noto Sans" panose="020B0502040504020204" pitchFamily="34" charset="0"/>
-              </a:rPr>
-              <a:t>Add </a:t>
-            </a:r>
-            <a:r>
-              <a:rPr lang="en-US" altLang="zh-TW" dirty="0">
-                <a:latin typeface="Noto Sans" panose="020B0502040504020204" pitchFamily="34" charset="0"/>
-              </a:rPr>
-              <a:t>PCIE_RX_IN</a:t>
-            </a:r>
-            <a:r>
-              <a:rPr lang="en-US" altLang="zh-TW" dirty="0" smtClean="0">
-                <a:latin typeface="Noto Sans" panose="020B0502040504020204" pitchFamily="34" charset="0"/>
-              </a:rPr>
-              <a:t>[#], </a:t>
-            </a:r>
-            <a:r>
-              <a:rPr lang="en-US" altLang="zh-TW" dirty="0">
-                <a:latin typeface="Noto Sans" panose="020B0502040504020204" pitchFamily="34" charset="0"/>
-              </a:rPr>
-              <a:t>PCIE_RX_IN</a:t>
-            </a:r>
-            <a:r>
-              <a:rPr lang="en-US" altLang="zh-TW" dirty="0" smtClean="0">
-                <a:latin typeface="Noto Sans" panose="020B0502040504020204" pitchFamily="34" charset="0"/>
-              </a:rPr>
-              <a:t>[#](n), </a:t>
-            </a:r>
-            <a:br>
-              <a:rPr lang="en-US" altLang="zh-TW" dirty="0" smtClean="0">
-                <a:latin typeface="Noto Sans" panose="020B0502040504020204" pitchFamily="34" charset="0"/>
-              </a:rPr>
-            </a:br>
-            <a:r>
-              <a:rPr lang="en-US" altLang="zh-TW" dirty="0" smtClean="0">
-                <a:latin typeface="Noto Sans" panose="020B0502040504020204" pitchFamily="34" charset="0"/>
-              </a:rPr>
-              <a:t>        PCIE_TX_OUT[#], PCIE_TX_OUT[#](</a:t>
-            </a:r>
-            <a:r>
-              <a:rPr lang="en-US" altLang="zh-TW" dirty="0">
-                <a:latin typeface="Noto Sans" panose="020B0502040504020204" pitchFamily="34" charset="0"/>
-              </a:rPr>
-              <a:t>n),</a:t>
-            </a:r>
           </a:p>
         </p:txBody>
       </p:sp>
@@ -14288,7 +14030,7 @@
         </p:blipFill>
         <p:spPr>
           <a:xfrm>
-            <a:off x="5619751" y="3247826"/>
+            <a:off x="5636079" y="2325262"/>
             <a:ext cx="3200400" cy="3333750"/>
           </a:xfrm>
           <a:prstGeom prst="rect">
@@ -14299,7 +14041,7 @@
     </p:spTree>
     <p:extLst>
       <p:ext uri="{BB962C8B-B14F-4D97-AF65-F5344CB8AC3E}">
-        <p14:creationId xmlns:p14="http://schemas.microsoft.com/office/powerpoint/2010/main" val="2942211556"/>
+        <p14:creationId xmlns:p14="http://schemas.microsoft.com/office/powerpoint/2010/main" val="1390497911"/>
       </p:ext>
     </p:extLst>
   </p:cSld>
